--- a/YanXu_Prediction of oil production.pptx
+++ b/YanXu_Prediction of oil production.pptx
@@ -8,13 +8,15 @@
     <p:sldId id="256" r:id="rId2"/>
     <p:sldId id="257" r:id="rId3"/>
     <p:sldId id="259" r:id="rId4"/>
-    <p:sldId id="260" r:id="rId5"/>
-    <p:sldId id="261" r:id="rId6"/>
+    <p:sldId id="261" r:id="rId5"/>
+    <p:sldId id="268" r:id="rId6"/>
     <p:sldId id="262" r:id="rId7"/>
     <p:sldId id="263" r:id="rId8"/>
     <p:sldId id="264" r:id="rId9"/>
     <p:sldId id="265" r:id="rId10"/>
-    <p:sldId id="267" r:id="rId11"/>
+    <p:sldId id="269" r:id="rId11"/>
+    <p:sldId id="270" r:id="rId12"/>
+    <p:sldId id="267" r:id="rId13"/>
   </p:sldIdLst>
   <p:sldSz cx="12192000" cy="6858000"/>
   <p:notesSz cx="6858000" cy="9144000"/>
@@ -113,6 +115,11 @@
       </a:defRPr>
     </a:lvl9pPr>
   </p:defaultTextStyle>
+  <p:extLst>
+    <p:ext uri="{EFAFB233-063F-42B5-8137-9DF3F51BA10A}">
+      <p15:sldGuideLst xmlns:p15="http://schemas.microsoft.com/office/powerpoint/2012/main"/>
+    </p:ext>
+  </p:extLst>
 </p:presentation>
 </file>
 
@@ -263,7 +270,7 @@
           <a:p>
             <a:fld id="{059E6B05-907D-4B2C-8733-14E86B32D464}" type="datetimeFigureOut">
               <a:rPr lang="en-US" smtClean="0"/>
-              <a:t>10/27/2020</a:t>
+              <a:t>10/27/20</a:t>
             </a:fld>
             <a:endParaRPr lang="en-US"/>
           </a:p>
@@ -461,7 +468,7 @@
           <a:p>
             <a:fld id="{059E6B05-907D-4B2C-8733-14E86B32D464}" type="datetimeFigureOut">
               <a:rPr lang="en-US" smtClean="0"/>
-              <a:t>10/27/2020</a:t>
+              <a:t>10/27/20</a:t>
             </a:fld>
             <a:endParaRPr lang="en-US"/>
           </a:p>
@@ -669,7 +676,7 @@
           <a:p>
             <a:fld id="{059E6B05-907D-4B2C-8733-14E86B32D464}" type="datetimeFigureOut">
               <a:rPr lang="en-US" smtClean="0"/>
-              <a:t>10/27/2020</a:t>
+              <a:t>10/27/20</a:t>
             </a:fld>
             <a:endParaRPr lang="en-US"/>
           </a:p>
@@ -867,7 +874,7 @@
           <a:p>
             <a:fld id="{059E6B05-907D-4B2C-8733-14E86B32D464}" type="datetimeFigureOut">
               <a:rPr lang="en-US" smtClean="0"/>
-              <a:t>10/27/2020</a:t>
+              <a:t>10/27/20</a:t>
             </a:fld>
             <a:endParaRPr lang="en-US"/>
           </a:p>
@@ -1142,7 +1149,7 @@
           <a:p>
             <a:fld id="{059E6B05-907D-4B2C-8733-14E86B32D464}" type="datetimeFigureOut">
               <a:rPr lang="en-US" smtClean="0"/>
-              <a:t>10/27/2020</a:t>
+              <a:t>10/27/20</a:t>
             </a:fld>
             <a:endParaRPr lang="en-US"/>
           </a:p>
@@ -1407,7 +1414,7 @@
           <a:p>
             <a:fld id="{059E6B05-907D-4B2C-8733-14E86B32D464}" type="datetimeFigureOut">
               <a:rPr lang="en-US" smtClean="0"/>
-              <a:t>10/27/2020</a:t>
+              <a:t>10/27/20</a:t>
             </a:fld>
             <a:endParaRPr lang="en-US"/>
           </a:p>
@@ -1819,7 +1826,7 @@
           <a:p>
             <a:fld id="{059E6B05-907D-4B2C-8733-14E86B32D464}" type="datetimeFigureOut">
               <a:rPr lang="en-US" smtClean="0"/>
-              <a:t>10/27/2020</a:t>
+              <a:t>10/27/20</a:t>
             </a:fld>
             <a:endParaRPr lang="en-US"/>
           </a:p>
@@ -1960,7 +1967,7 @@
           <a:p>
             <a:fld id="{059E6B05-907D-4B2C-8733-14E86B32D464}" type="datetimeFigureOut">
               <a:rPr lang="en-US" smtClean="0"/>
-              <a:t>10/27/2020</a:t>
+              <a:t>10/27/20</a:t>
             </a:fld>
             <a:endParaRPr lang="en-US"/>
           </a:p>
@@ -2073,7 +2080,7 @@
           <a:p>
             <a:fld id="{059E6B05-907D-4B2C-8733-14E86B32D464}" type="datetimeFigureOut">
               <a:rPr lang="en-US" smtClean="0"/>
-              <a:t>10/27/2020</a:t>
+              <a:t>10/27/20</a:t>
             </a:fld>
             <a:endParaRPr lang="en-US"/>
           </a:p>
@@ -2384,7 +2391,7 @@
           <a:p>
             <a:fld id="{059E6B05-907D-4B2C-8733-14E86B32D464}" type="datetimeFigureOut">
               <a:rPr lang="en-US" smtClean="0"/>
-              <a:t>10/27/2020</a:t>
+              <a:t>10/27/20</a:t>
             </a:fld>
             <a:endParaRPr lang="en-US"/>
           </a:p>
@@ -2672,7 +2679,7 @@
           <a:p>
             <a:fld id="{059E6B05-907D-4B2C-8733-14E86B32D464}" type="datetimeFigureOut">
               <a:rPr lang="en-US" smtClean="0"/>
-              <a:t>10/27/2020</a:t>
+              <a:t>10/27/20</a:t>
             </a:fld>
             <a:endParaRPr lang="en-US"/>
           </a:p>
@@ -2913,7 +2920,7 @@
           <a:p>
             <a:fld id="{059E6B05-907D-4B2C-8733-14E86B32D464}" type="datetimeFigureOut">
               <a:rPr lang="en-US" smtClean="0"/>
-              <a:t>10/27/2020</a:t>
+              <a:t>10/27/20</a:t>
             </a:fld>
             <a:endParaRPr lang="en-US"/>
           </a:p>
@@ -3407,8 +3414,8 @@
         </p:nvSpPr>
         <p:spPr>
           <a:xfrm>
-            <a:off x="810728" y="522328"/>
-            <a:ext cx="1426544" cy="369332"/>
+            <a:off x="691973" y="660698"/>
+            <a:ext cx="3440639" cy="461665"/>
           </a:xfrm>
           <a:prstGeom prst="rect">
             <a:avLst/>
@@ -3416,14 +3423,14 @@
           <a:noFill/>
         </p:spPr>
         <p:txBody>
-          <a:bodyPr wrap="none" rtlCol="0">
+          <a:bodyPr wrap="square" rtlCol="0">
             <a:spAutoFit/>
           </a:bodyPr>
           <a:lstStyle/>
           <a:p>
             <a:r>
-              <a:rPr lang="en-US" dirty="0"/>
-              <a:t>IHS interview</a:t>
+              <a:rPr lang="en-US" sz="2400" dirty="0"/>
+              <a:t>IHS data analyst interview</a:t>
             </a:r>
           </a:p>
         </p:txBody>
@@ -3474,8 +3481,8 @@
         </p:nvSpPr>
         <p:spPr>
           <a:xfrm>
-            <a:off x="838199" y="365125"/>
-            <a:ext cx="6434959" cy="1325563"/>
+            <a:off x="838199" y="365126"/>
+            <a:ext cx="10325987" cy="602438"/>
           </a:xfrm>
           <a:prstGeom prst="rect">
             <a:avLst/>
@@ -3507,7 +3514,1050 @@
           <a:p>
             <a:r>
               <a:rPr lang="en-US" sz="3200" b="1" dirty="0"/>
-              <a:t>Part 6. </a:t>
+              <a:t>Part 6. Improving prediction with Fixed effect model</a:t>
+            </a:r>
+            <a:endParaRPr lang="en-US" sz="3200" b="1" dirty="0">
+              <a:solidFill>
+                <a:schemeClr val="tx1"/>
+              </a:solidFill>
+            </a:endParaRPr>
+          </a:p>
+          <a:p>
+            <a:endParaRPr lang="en-US" sz="3200" b="1" dirty="0">
+              <a:solidFill>
+                <a:schemeClr val="tx1"/>
+              </a:solidFill>
+            </a:endParaRPr>
+          </a:p>
+          <a:p>
+            <a:endParaRPr lang="en-US" sz="3200" dirty="0"/>
+          </a:p>
+        </p:txBody>
+      </p:sp>
+      <p:pic>
+        <p:nvPicPr>
+          <p:cNvPr id="3" name="Picture 2" descr="A picture containing text, receipt&#10;&#10;Description automatically generated">
+            <a:extLst>
+              <a:ext uri="{FF2B5EF4-FFF2-40B4-BE49-F238E27FC236}">
+                <a16:creationId xmlns:a16="http://schemas.microsoft.com/office/drawing/2014/main" id="{66030E62-D47F-754E-9F66-28B238F27166}"/>
+              </a:ext>
+            </a:extLst>
+          </p:cNvPr>
+          <p:cNvPicPr>
+            <a:picLocks noChangeAspect="1"/>
+          </p:cNvPicPr>
+          <p:nvPr/>
+        </p:nvPicPr>
+        <p:blipFill>
+          <a:blip r:embed="rId2">
+            <a:extLst>
+              <a:ext uri="{28A0092B-C50C-407E-A947-70E740481C1C}">
+                <a14:useLocalDpi xmlns:a14="http://schemas.microsoft.com/office/drawing/2010/main" val="0"/>
+              </a:ext>
+            </a:extLst>
+          </a:blip>
+          <a:stretch>
+            <a:fillRect/>
+          </a:stretch>
+        </p:blipFill>
+        <p:spPr>
+          <a:xfrm>
+            <a:off x="306544" y="1906905"/>
+            <a:ext cx="5637350" cy="4238938"/>
+          </a:xfrm>
+          <a:prstGeom prst="rect">
+            <a:avLst/>
+          </a:prstGeom>
+          <a:ln w="28575">
+            <a:solidFill>
+              <a:srgbClr val="FF0000"/>
+            </a:solidFill>
+          </a:ln>
+        </p:spPr>
+      </p:pic>
+      <p:pic>
+        <p:nvPicPr>
+          <p:cNvPr id="6" name="Picture 5" descr="A close up of text on a white surface&#10;&#10;Description automatically generated">
+            <a:extLst>
+              <a:ext uri="{FF2B5EF4-FFF2-40B4-BE49-F238E27FC236}">
+                <a16:creationId xmlns:a16="http://schemas.microsoft.com/office/drawing/2014/main" id="{59B073D8-35C9-0D4B-A109-080440BBB13C}"/>
+              </a:ext>
+            </a:extLst>
+          </p:cNvPr>
+          <p:cNvPicPr>
+            <a:picLocks noChangeAspect="1"/>
+          </p:cNvPicPr>
+          <p:nvPr/>
+        </p:nvPicPr>
+        <p:blipFill>
+          <a:blip r:embed="rId3">
+            <a:extLst>
+              <a:ext uri="{28A0092B-C50C-407E-A947-70E740481C1C}">
+                <a14:useLocalDpi xmlns:a14="http://schemas.microsoft.com/office/drawing/2010/main" val="0"/>
+              </a:ext>
+            </a:extLst>
+          </a:blip>
+          <a:stretch>
+            <a:fillRect/>
+          </a:stretch>
+        </p:blipFill>
+        <p:spPr>
+          <a:xfrm>
+            <a:off x="6248107" y="1889146"/>
+            <a:ext cx="5721304" cy="4238938"/>
+          </a:xfrm>
+          <a:prstGeom prst="rect">
+            <a:avLst/>
+          </a:prstGeom>
+          <a:ln w="28575">
+            <a:solidFill>
+              <a:srgbClr val="0070C0"/>
+            </a:solidFill>
+          </a:ln>
+        </p:spPr>
+      </p:pic>
+      <p:sp>
+        <p:nvSpPr>
+          <p:cNvPr id="8" name="TextBox 7">
+            <a:extLst>
+              <a:ext uri="{FF2B5EF4-FFF2-40B4-BE49-F238E27FC236}">
+                <a16:creationId xmlns:a16="http://schemas.microsoft.com/office/drawing/2014/main" id="{BC4FC257-B963-E949-8EFC-0A0B78C151C7}"/>
+              </a:ext>
+            </a:extLst>
+          </p:cNvPr>
+          <p:cNvSpPr txBox="1"/>
+          <p:nvPr/>
+        </p:nvSpPr>
+        <p:spPr>
+          <a:xfrm>
+            <a:off x="1614376" y="1358894"/>
+            <a:ext cx="3202173" cy="369332"/>
+          </a:xfrm>
+          <a:prstGeom prst="rect">
+            <a:avLst/>
+          </a:prstGeom>
+          <a:noFill/>
+        </p:spPr>
+        <p:txBody>
+          <a:bodyPr wrap="square" rtlCol="0">
+            <a:spAutoFit/>
+          </a:bodyPr>
+          <a:lstStyle/>
+          <a:p>
+            <a:r>
+              <a:rPr lang="en-US" dirty="0">
+                <a:solidFill>
+                  <a:srgbClr val="FF0000"/>
+                </a:solidFill>
+              </a:rPr>
+              <a:t>Prediction without Fixed effect</a:t>
+            </a:r>
+          </a:p>
+        </p:txBody>
+      </p:sp>
+      <p:sp>
+        <p:nvSpPr>
+          <p:cNvPr id="9" name="Rectangle 8">
+            <a:extLst>
+              <a:ext uri="{FF2B5EF4-FFF2-40B4-BE49-F238E27FC236}">
+                <a16:creationId xmlns:a16="http://schemas.microsoft.com/office/drawing/2014/main" id="{9B5595BE-E825-DA43-898D-7BC571B2CAB9}"/>
+              </a:ext>
+            </a:extLst>
+          </p:cNvPr>
+          <p:cNvSpPr/>
+          <p:nvPr/>
+        </p:nvSpPr>
+        <p:spPr>
+          <a:xfrm>
+            <a:off x="2745965" y="2140822"/>
+            <a:ext cx="2485254" cy="325933"/>
+          </a:xfrm>
+          <a:prstGeom prst="rect">
+            <a:avLst/>
+          </a:prstGeom>
+          <a:noFill/>
+          <a:ln w="28575">
+            <a:solidFill>
+              <a:srgbClr val="FF0000"/>
+            </a:solidFill>
+          </a:ln>
+        </p:spPr>
+        <p:style>
+          <a:lnRef idx="2">
+            <a:schemeClr val="accent1">
+              <a:shade val="50000"/>
+            </a:schemeClr>
+          </a:lnRef>
+          <a:fillRef idx="1">
+            <a:schemeClr val="accent1"/>
+          </a:fillRef>
+          <a:effectRef idx="0">
+            <a:schemeClr val="accent1"/>
+          </a:effectRef>
+          <a:fontRef idx="minor">
+            <a:schemeClr val="lt1"/>
+          </a:fontRef>
+        </p:style>
+        <p:txBody>
+          <a:bodyPr rtlCol="0" anchor="ctr"/>
+          <a:lstStyle/>
+          <a:p>
+            <a:pPr algn="ctr"/>
+            <a:endParaRPr lang="en-US"/>
+          </a:p>
+        </p:txBody>
+      </p:sp>
+      <p:sp>
+        <p:nvSpPr>
+          <p:cNvPr id="10" name="Rectangle 9">
+            <a:extLst>
+              <a:ext uri="{FF2B5EF4-FFF2-40B4-BE49-F238E27FC236}">
+                <a16:creationId xmlns:a16="http://schemas.microsoft.com/office/drawing/2014/main" id="{BD4C58D4-B304-D344-A9EF-13A299C31019}"/>
+              </a:ext>
+            </a:extLst>
+          </p:cNvPr>
+          <p:cNvSpPr/>
+          <p:nvPr/>
+        </p:nvSpPr>
+        <p:spPr>
+          <a:xfrm>
+            <a:off x="3988592" y="3388337"/>
+            <a:ext cx="562143" cy="1927942"/>
+          </a:xfrm>
+          <a:prstGeom prst="rect">
+            <a:avLst/>
+          </a:prstGeom>
+          <a:noFill/>
+          <a:ln w="28575">
+            <a:solidFill>
+              <a:srgbClr val="FF0000"/>
+            </a:solidFill>
+          </a:ln>
+        </p:spPr>
+        <p:style>
+          <a:lnRef idx="2">
+            <a:schemeClr val="accent1">
+              <a:shade val="50000"/>
+            </a:schemeClr>
+          </a:lnRef>
+          <a:fillRef idx="1">
+            <a:schemeClr val="accent1"/>
+          </a:fillRef>
+          <a:effectRef idx="0">
+            <a:schemeClr val="accent1"/>
+          </a:effectRef>
+          <a:fontRef idx="minor">
+            <a:schemeClr val="lt1"/>
+          </a:fontRef>
+        </p:style>
+        <p:txBody>
+          <a:bodyPr rtlCol="0" anchor="ctr"/>
+          <a:lstStyle/>
+          <a:p>
+            <a:pPr algn="ctr"/>
+            <a:endParaRPr lang="en-US"/>
+          </a:p>
+        </p:txBody>
+      </p:sp>
+      <p:sp>
+        <p:nvSpPr>
+          <p:cNvPr id="11" name="Rectangle 10">
+            <a:extLst>
+              <a:ext uri="{FF2B5EF4-FFF2-40B4-BE49-F238E27FC236}">
+                <a16:creationId xmlns:a16="http://schemas.microsoft.com/office/drawing/2014/main" id="{D9E28C43-3914-A941-9071-B01AAB87B9B3}"/>
+              </a:ext>
+            </a:extLst>
+          </p:cNvPr>
+          <p:cNvSpPr/>
+          <p:nvPr/>
+        </p:nvSpPr>
+        <p:spPr>
+          <a:xfrm>
+            <a:off x="8753363" y="2181486"/>
+            <a:ext cx="2995614" cy="285270"/>
+          </a:xfrm>
+          <a:prstGeom prst="rect">
+            <a:avLst/>
+          </a:prstGeom>
+          <a:noFill/>
+          <a:ln w="28575">
+            <a:solidFill>
+              <a:srgbClr val="0070C0"/>
+            </a:solidFill>
+          </a:ln>
+        </p:spPr>
+        <p:style>
+          <a:lnRef idx="2">
+            <a:schemeClr val="accent1">
+              <a:shade val="50000"/>
+            </a:schemeClr>
+          </a:lnRef>
+          <a:fillRef idx="1">
+            <a:schemeClr val="accent1"/>
+          </a:fillRef>
+          <a:effectRef idx="0">
+            <a:schemeClr val="accent1"/>
+          </a:effectRef>
+          <a:fontRef idx="minor">
+            <a:schemeClr val="lt1"/>
+          </a:fontRef>
+        </p:style>
+        <p:txBody>
+          <a:bodyPr rtlCol="0" anchor="ctr"/>
+          <a:lstStyle/>
+          <a:p>
+            <a:pPr algn="ctr"/>
+            <a:endParaRPr lang="en-US"/>
+          </a:p>
+        </p:txBody>
+      </p:sp>
+      <p:sp>
+        <p:nvSpPr>
+          <p:cNvPr id="12" name="Rectangle 11">
+            <a:extLst>
+              <a:ext uri="{FF2B5EF4-FFF2-40B4-BE49-F238E27FC236}">
+                <a16:creationId xmlns:a16="http://schemas.microsoft.com/office/drawing/2014/main" id="{BFE01522-1135-5B40-8180-603FC74CE519}"/>
+              </a:ext>
+            </a:extLst>
+          </p:cNvPr>
+          <p:cNvSpPr/>
+          <p:nvPr/>
+        </p:nvSpPr>
+        <p:spPr>
+          <a:xfrm>
+            <a:off x="9921559" y="3429000"/>
+            <a:ext cx="562143" cy="1927942"/>
+          </a:xfrm>
+          <a:prstGeom prst="rect">
+            <a:avLst/>
+          </a:prstGeom>
+          <a:noFill/>
+          <a:ln w="28575">
+            <a:solidFill>
+              <a:srgbClr val="0070C0"/>
+            </a:solidFill>
+          </a:ln>
+        </p:spPr>
+        <p:style>
+          <a:lnRef idx="2">
+            <a:schemeClr val="accent1">
+              <a:shade val="50000"/>
+            </a:schemeClr>
+          </a:lnRef>
+          <a:fillRef idx="1">
+            <a:schemeClr val="accent1"/>
+          </a:fillRef>
+          <a:effectRef idx="0">
+            <a:schemeClr val="accent1"/>
+          </a:effectRef>
+          <a:fontRef idx="minor">
+            <a:schemeClr val="lt1"/>
+          </a:fontRef>
+        </p:style>
+        <p:txBody>
+          <a:bodyPr rtlCol="0" anchor="ctr"/>
+          <a:lstStyle/>
+          <a:p>
+            <a:pPr algn="ctr"/>
+            <a:endParaRPr lang="en-US"/>
+          </a:p>
+        </p:txBody>
+      </p:sp>
+      <p:sp>
+        <p:nvSpPr>
+          <p:cNvPr id="13" name="TextBox 12">
+            <a:extLst>
+              <a:ext uri="{FF2B5EF4-FFF2-40B4-BE49-F238E27FC236}">
+                <a16:creationId xmlns:a16="http://schemas.microsoft.com/office/drawing/2014/main" id="{A1E970F6-02C2-174C-AB84-827A6BDF009A}"/>
+              </a:ext>
+            </a:extLst>
+          </p:cNvPr>
+          <p:cNvSpPr txBox="1"/>
+          <p:nvPr/>
+        </p:nvSpPr>
+        <p:spPr>
+          <a:xfrm>
+            <a:off x="7582786" y="1373644"/>
+            <a:ext cx="3202173" cy="369332"/>
+          </a:xfrm>
+          <a:prstGeom prst="rect">
+            <a:avLst/>
+          </a:prstGeom>
+          <a:noFill/>
+        </p:spPr>
+        <p:txBody>
+          <a:bodyPr wrap="square" rtlCol="0">
+            <a:spAutoFit/>
+          </a:bodyPr>
+          <a:lstStyle/>
+          <a:p>
+            <a:r>
+              <a:rPr lang="en-US" dirty="0">
+                <a:solidFill>
+                  <a:srgbClr val="0070C0"/>
+                </a:solidFill>
+              </a:rPr>
+              <a:t>Prediction with Fixed effect</a:t>
+            </a:r>
+          </a:p>
+        </p:txBody>
+      </p:sp>
+      <p:sp>
+        <p:nvSpPr>
+          <p:cNvPr id="14" name="Rectangle 13">
+            <a:extLst>
+              <a:ext uri="{FF2B5EF4-FFF2-40B4-BE49-F238E27FC236}">
+                <a16:creationId xmlns:a16="http://schemas.microsoft.com/office/drawing/2014/main" id="{1C3ACF64-A206-C141-867B-02409CCD1D2B}"/>
+              </a:ext>
+            </a:extLst>
+          </p:cNvPr>
+          <p:cNvSpPr/>
+          <p:nvPr/>
+        </p:nvSpPr>
+        <p:spPr>
+          <a:xfrm>
+            <a:off x="174096" y="6358269"/>
+            <a:ext cx="2369944" cy="276999"/>
+          </a:xfrm>
+          <a:prstGeom prst="rect">
+            <a:avLst/>
+          </a:prstGeom>
+        </p:spPr>
+        <p:txBody>
+          <a:bodyPr wrap="none">
+            <a:spAutoFit/>
+          </a:bodyPr>
+          <a:lstStyle/>
+          <a:p>
+            <a:pPr lvl="1">
+              <a:buFont typeface="Wingdings" panose="05000000000000000000" pitchFamily="2" charset="2"/>
+              <a:buChar char="Ø"/>
+            </a:pPr>
+            <a:r>
+              <a:rPr lang="en-US" sz="1200" dirty="0"/>
+              <a:t>‘</a:t>
+            </a:r>
+            <a:r>
+              <a:rPr lang="en-US" sz="1200" dirty="0" err="1"/>
+              <a:t>op_number</a:t>
+            </a:r>
+            <a:r>
+              <a:rPr lang="en-US" sz="1200" dirty="0"/>
+              <a:t>’ is ‘operator’</a:t>
+            </a:r>
+          </a:p>
+        </p:txBody>
+      </p:sp>
+    </p:spTree>
+    <p:extLst>
+      <p:ext uri="{BB962C8B-B14F-4D97-AF65-F5344CB8AC3E}">
+        <p14:creationId xmlns:p14="http://schemas.microsoft.com/office/powerpoint/2010/main" val="3506944585"/>
+      </p:ext>
+    </p:extLst>
+  </p:cSld>
+  <p:clrMapOvr>
+    <a:masterClrMapping/>
+  </p:clrMapOvr>
+</p:sld>
+</file>
+
+<file path=ppt/slides/slide11.xml><?xml version="1.0" encoding="utf-8"?>
+<p:sld xmlns:a="http://schemas.openxmlformats.org/drawingml/2006/main" xmlns:r="http://schemas.openxmlformats.org/officeDocument/2006/relationships" xmlns:p="http://schemas.openxmlformats.org/presentationml/2006/main">
+  <p:cSld>
+    <p:spTree>
+      <p:nvGrpSpPr>
+        <p:cNvPr id="1" name=""/>
+        <p:cNvGrpSpPr/>
+        <p:nvPr/>
+      </p:nvGrpSpPr>
+      <p:grpSpPr>
+        <a:xfrm>
+          <a:off x="0" y="0"/>
+          <a:ext cx="0" cy="0"/>
+          <a:chOff x="0" y="0"/>
+          <a:chExt cx="0" cy="0"/>
+        </a:xfrm>
+      </p:grpSpPr>
+      <p:sp>
+        <p:nvSpPr>
+          <p:cNvPr id="4" name="Title 1">
+            <a:extLst>
+              <a:ext uri="{FF2B5EF4-FFF2-40B4-BE49-F238E27FC236}">
+                <a16:creationId xmlns:a16="http://schemas.microsoft.com/office/drawing/2014/main" id="{2D57B5EC-5C87-4757-A2E0-6D1F29708BD7}"/>
+              </a:ext>
+            </a:extLst>
+          </p:cNvPr>
+          <p:cNvSpPr txBox="1">
+            <a:spLocks/>
+          </p:cNvSpPr>
+          <p:nvPr/>
+        </p:nvSpPr>
+        <p:spPr>
+          <a:xfrm>
+            <a:off x="838199" y="365126"/>
+            <a:ext cx="10325987" cy="602438"/>
+          </a:xfrm>
+          <a:prstGeom prst="rect">
+            <a:avLst/>
+          </a:prstGeom>
+        </p:spPr>
+        <p:txBody>
+          <a:bodyPr>
+            <a:normAutofit/>
+          </a:bodyPr>
+          <a:lstStyle>
+            <a:lvl1pPr algn="l" defTabSz="914400" rtl="0" eaLnBrk="1" latinLnBrk="0" hangingPunct="1">
+              <a:lnSpc>
+                <a:spcPct val="90000"/>
+              </a:lnSpc>
+              <a:spcBef>
+                <a:spcPct val="0"/>
+              </a:spcBef>
+              <a:buNone/>
+              <a:defRPr sz="4400" kern="1200">
+                <a:solidFill>
+                  <a:schemeClr val="tx1"/>
+                </a:solidFill>
+                <a:latin typeface="+mj-lt"/>
+                <a:ea typeface="+mj-ea"/>
+                <a:cs typeface="+mj-cs"/>
+              </a:defRPr>
+            </a:lvl1pPr>
+          </a:lstStyle>
+          <a:p>
+            <a:r>
+              <a:rPr lang="en-US" sz="3200" b="1" dirty="0"/>
+              <a:t>Part 6. Improving prediction with Fixed effect model</a:t>
+            </a:r>
+            <a:endParaRPr lang="en-US" sz="3200" b="1" dirty="0">
+              <a:solidFill>
+                <a:schemeClr val="tx1"/>
+              </a:solidFill>
+            </a:endParaRPr>
+          </a:p>
+          <a:p>
+            <a:endParaRPr lang="en-US" sz="3200" b="1" dirty="0">
+              <a:solidFill>
+                <a:schemeClr val="tx1"/>
+              </a:solidFill>
+            </a:endParaRPr>
+          </a:p>
+          <a:p>
+            <a:endParaRPr lang="en-US" sz="3200" dirty="0"/>
+          </a:p>
+        </p:txBody>
+      </p:sp>
+      <p:pic>
+        <p:nvPicPr>
+          <p:cNvPr id="6" name="Picture 5" descr="A close up of text on a white surface&#10;&#10;Description automatically generated">
+            <a:extLst>
+              <a:ext uri="{FF2B5EF4-FFF2-40B4-BE49-F238E27FC236}">
+                <a16:creationId xmlns:a16="http://schemas.microsoft.com/office/drawing/2014/main" id="{59B073D8-35C9-0D4B-A109-080440BBB13C}"/>
+              </a:ext>
+            </a:extLst>
+          </p:cNvPr>
+          <p:cNvPicPr>
+            <a:picLocks noChangeAspect="1"/>
+          </p:cNvPicPr>
+          <p:nvPr/>
+        </p:nvPicPr>
+        <p:blipFill>
+          <a:blip r:embed="rId2">
+            <a:extLst>
+              <a:ext uri="{28A0092B-C50C-407E-A947-70E740481C1C}">
+                <a14:useLocalDpi xmlns:a14="http://schemas.microsoft.com/office/drawing/2010/main" val="0"/>
+              </a:ext>
+            </a:extLst>
+          </a:blip>
+          <a:stretch>
+            <a:fillRect/>
+          </a:stretch>
+        </p:blipFill>
+        <p:spPr>
+          <a:xfrm>
+            <a:off x="374696" y="2027369"/>
+            <a:ext cx="5721304" cy="4238938"/>
+          </a:xfrm>
+          <a:prstGeom prst="rect">
+            <a:avLst/>
+          </a:prstGeom>
+          <a:ln w="28575">
+            <a:solidFill>
+              <a:srgbClr val="0070C0"/>
+            </a:solidFill>
+          </a:ln>
+        </p:spPr>
+      </p:pic>
+      <p:sp>
+        <p:nvSpPr>
+          <p:cNvPr id="11" name="Rectangle 10">
+            <a:extLst>
+              <a:ext uri="{FF2B5EF4-FFF2-40B4-BE49-F238E27FC236}">
+                <a16:creationId xmlns:a16="http://schemas.microsoft.com/office/drawing/2014/main" id="{D9E28C43-3914-A941-9071-B01AAB87B9B3}"/>
+              </a:ext>
+            </a:extLst>
+          </p:cNvPr>
+          <p:cNvSpPr/>
+          <p:nvPr/>
+        </p:nvSpPr>
+        <p:spPr>
+          <a:xfrm>
+            <a:off x="2879952" y="2319709"/>
+            <a:ext cx="2995614" cy="285270"/>
+          </a:xfrm>
+          <a:prstGeom prst="rect">
+            <a:avLst/>
+          </a:prstGeom>
+          <a:noFill/>
+          <a:ln w="28575">
+            <a:solidFill>
+              <a:srgbClr val="0070C0"/>
+            </a:solidFill>
+          </a:ln>
+        </p:spPr>
+        <p:style>
+          <a:lnRef idx="2">
+            <a:schemeClr val="accent1">
+              <a:shade val="50000"/>
+            </a:schemeClr>
+          </a:lnRef>
+          <a:fillRef idx="1">
+            <a:schemeClr val="accent1"/>
+          </a:fillRef>
+          <a:effectRef idx="0">
+            <a:schemeClr val="accent1"/>
+          </a:effectRef>
+          <a:fontRef idx="minor">
+            <a:schemeClr val="lt1"/>
+          </a:fontRef>
+        </p:style>
+        <p:txBody>
+          <a:bodyPr rtlCol="0" anchor="ctr"/>
+          <a:lstStyle/>
+          <a:p>
+            <a:pPr algn="ctr"/>
+            <a:endParaRPr lang="en-US"/>
+          </a:p>
+        </p:txBody>
+      </p:sp>
+      <p:sp>
+        <p:nvSpPr>
+          <p:cNvPr id="12" name="Rectangle 11">
+            <a:extLst>
+              <a:ext uri="{FF2B5EF4-FFF2-40B4-BE49-F238E27FC236}">
+                <a16:creationId xmlns:a16="http://schemas.microsoft.com/office/drawing/2014/main" id="{BFE01522-1135-5B40-8180-603FC74CE519}"/>
+              </a:ext>
+            </a:extLst>
+          </p:cNvPr>
+          <p:cNvSpPr/>
+          <p:nvPr/>
+        </p:nvSpPr>
+        <p:spPr>
+          <a:xfrm>
+            <a:off x="4048148" y="3567223"/>
+            <a:ext cx="562143" cy="1927942"/>
+          </a:xfrm>
+          <a:prstGeom prst="rect">
+            <a:avLst/>
+          </a:prstGeom>
+          <a:noFill/>
+          <a:ln w="28575">
+            <a:solidFill>
+              <a:srgbClr val="0070C0"/>
+            </a:solidFill>
+          </a:ln>
+        </p:spPr>
+        <p:style>
+          <a:lnRef idx="2">
+            <a:schemeClr val="accent1">
+              <a:shade val="50000"/>
+            </a:schemeClr>
+          </a:lnRef>
+          <a:fillRef idx="1">
+            <a:schemeClr val="accent1"/>
+          </a:fillRef>
+          <a:effectRef idx="0">
+            <a:schemeClr val="accent1"/>
+          </a:effectRef>
+          <a:fontRef idx="minor">
+            <a:schemeClr val="lt1"/>
+          </a:fontRef>
+        </p:style>
+        <p:txBody>
+          <a:bodyPr rtlCol="0" anchor="ctr"/>
+          <a:lstStyle/>
+          <a:p>
+            <a:pPr algn="ctr"/>
+            <a:endParaRPr lang="en-US"/>
+          </a:p>
+        </p:txBody>
+      </p:sp>
+      <p:sp>
+        <p:nvSpPr>
+          <p:cNvPr id="13" name="TextBox 12">
+            <a:extLst>
+              <a:ext uri="{FF2B5EF4-FFF2-40B4-BE49-F238E27FC236}">
+                <a16:creationId xmlns:a16="http://schemas.microsoft.com/office/drawing/2014/main" id="{A1E970F6-02C2-174C-AB84-827A6BDF009A}"/>
+              </a:ext>
+            </a:extLst>
+          </p:cNvPr>
+          <p:cNvSpPr txBox="1"/>
+          <p:nvPr/>
+        </p:nvSpPr>
+        <p:spPr>
+          <a:xfrm>
+            <a:off x="1709375" y="1511867"/>
+            <a:ext cx="3202173" cy="369332"/>
+          </a:xfrm>
+          <a:prstGeom prst="rect">
+            <a:avLst/>
+          </a:prstGeom>
+          <a:noFill/>
+        </p:spPr>
+        <p:txBody>
+          <a:bodyPr wrap="square" rtlCol="0">
+            <a:spAutoFit/>
+          </a:bodyPr>
+          <a:lstStyle/>
+          <a:p>
+            <a:r>
+              <a:rPr lang="en-US" dirty="0">
+                <a:solidFill>
+                  <a:srgbClr val="0070C0"/>
+                </a:solidFill>
+              </a:rPr>
+              <a:t>Prediction with Fixed effect</a:t>
+            </a:r>
+          </a:p>
+        </p:txBody>
+      </p:sp>
+      <p:pic>
+        <p:nvPicPr>
+          <p:cNvPr id="5" name="Picture 4" descr="A screenshot of text&#10;&#10;Description automatically generated">
+            <a:extLst>
+              <a:ext uri="{FF2B5EF4-FFF2-40B4-BE49-F238E27FC236}">
+                <a16:creationId xmlns:a16="http://schemas.microsoft.com/office/drawing/2014/main" id="{E26BB357-2B05-AB44-BB87-12BCBE3BF9F9}"/>
+              </a:ext>
+            </a:extLst>
+          </p:cNvPr>
+          <p:cNvPicPr>
+            <a:picLocks noChangeAspect="1"/>
+          </p:cNvPicPr>
+          <p:nvPr/>
+        </p:nvPicPr>
+        <p:blipFill>
+          <a:blip r:embed="rId3">
+            <a:extLst>
+              <a:ext uri="{28A0092B-C50C-407E-A947-70E740481C1C}">
+                <a14:useLocalDpi xmlns:a14="http://schemas.microsoft.com/office/drawing/2010/main" val="0"/>
+              </a:ext>
+            </a:extLst>
+          </a:blip>
+          <a:stretch>
+            <a:fillRect/>
+          </a:stretch>
+        </p:blipFill>
+        <p:spPr>
+          <a:xfrm>
+            <a:off x="6332924" y="1881198"/>
+            <a:ext cx="5684980" cy="4477071"/>
+          </a:xfrm>
+          <a:prstGeom prst="rect">
+            <a:avLst/>
+          </a:prstGeom>
+        </p:spPr>
+      </p:pic>
+      <p:sp>
+        <p:nvSpPr>
+          <p:cNvPr id="14" name="Rectangle 13">
+            <a:extLst>
+              <a:ext uri="{FF2B5EF4-FFF2-40B4-BE49-F238E27FC236}">
+                <a16:creationId xmlns:a16="http://schemas.microsoft.com/office/drawing/2014/main" id="{3D2A9D58-701C-AE4A-A240-16060BF44B4E}"/>
+              </a:ext>
+            </a:extLst>
+          </p:cNvPr>
+          <p:cNvSpPr/>
+          <p:nvPr/>
+        </p:nvSpPr>
+        <p:spPr>
+          <a:xfrm>
+            <a:off x="8853589" y="2245278"/>
+            <a:ext cx="2995614" cy="285270"/>
+          </a:xfrm>
+          <a:prstGeom prst="rect">
+            <a:avLst/>
+          </a:prstGeom>
+          <a:noFill/>
+          <a:ln w="28575">
+            <a:solidFill>
+              <a:srgbClr val="00B050"/>
+            </a:solidFill>
+          </a:ln>
+        </p:spPr>
+        <p:style>
+          <a:lnRef idx="2">
+            <a:schemeClr val="accent1">
+              <a:shade val="50000"/>
+            </a:schemeClr>
+          </a:lnRef>
+          <a:fillRef idx="1">
+            <a:schemeClr val="accent1"/>
+          </a:fillRef>
+          <a:effectRef idx="0">
+            <a:schemeClr val="accent1"/>
+          </a:effectRef>
+          <a:fontRef idx="minor">
+            <a:schemeClr val="lt1"/>
+          </a:fontRef>
+        </p:style>
+        <p:txBody>
+          <a:bodyPr rtlCol="0" anchor="ctr"/>
+          <a:lstStyle/>
+          <a:p>
+            <a:pPr algn="ctr"/>
+            <a:endParaRPr lang="en-US">
+              <a:solidFill>
+                <a:srgbClr val="00B050"/>
+              </a:solidFill>
+            </a:endParaRPr>
+          </a:p>
+        </p:txBody>
+      </p:sp>
+      <p:sp>
+        <p:nvSpPr>
+          <p:cNvPr id="15" name="Rectangle 14">
+            <a:extLst>
+              <a:ext uri="{FF2B5EF4-FFF2-40B4-BE49-F238E27FC236}">
+                <a16:creationId xmlns:a16="http://schemas.microsoft.com/office/drawing/2014/main" id="{1083E0D9-B2E6-7C44-ABB4-D13152E6D3BB}"/>
+              </a:ext>
+            </a:extLst>
+          </p:cNvPr>
+          <p:cNvSpPr/>
+          <p:nvPr/>
+        </p:nvSpPr>
+        <p:spPr>
+          <a:xfrm>
+            <a:off x="10021785" y="3567223"/>
+            <a:ext cx="562143" cy="1927942"/>
+          </a:xfrm>
+          <a:prstGeom prst="rect">
+            <a:avLst/>
+          </a:prstGeom>
+          <a:noFill/>
+          <a:ln w="28575">
+            <a:solidFill>
+              <a:srgbClr val="00B050"/>
+            </a:solidFill>
+          </a:ln>
+        </p:spPr>
+        <p:style>
+          <a:lnRef idx="2">
+            <a:schemeClr val="accent1">
+              <a:shade val="50000"/>
+            </a:schemeClr>
+          </a:lnRef>
+          <a:fillRef idx="1">
+            <a:schemeClr val="accent1"/>
+          </a:fillRef>
+          <a:effectRef idx="0">
+            <a:schemeClr val="accent1"/>
+          </a:effectRef>
+          <a:fontRef idx="minor">
+            <a:schemeClr val="lt1"/>
+          </a:fontRef>
+        </p:style>
+        <p:txBody>
+          <a:bodyPr rtlCol="0" anchor="ctr"/>
+          <a:lstStyle/>
+          <a:p>
+            <a:pPr algn="ctr"/>
+            <a:endParaRPr lang="en-US">
+              <a:solidFill>
+                <a:srgbClr val="00B050"/>
+              </a:solidFill>
+            </a:endParaRPr>
+          </a:p>
+        </p:txBody>
+      </p:sp>
+      <p:sp>
+        <p:nvSpPr>
+          <p:cNvPr id="16" name="TextBox 15">
+            <a:extLst>
+              <a:ext uri="{FF2B5EF4-FFF2-40B4-BE49-F238E27FC236}">
+                <a16:creationId xmlns:a16="http://schemas.microsoft.com/office/drawing/2014/main" id="{CF21030A-612D-FD40-872D-2D1895A3E2A8}"/>
+              </a:ext>
+            </a:extLst>
+          </p:cNvPr>
+          <p:cNvSpPr txBox="1"/>
+          <p:nvPr/>
+        </p:nvSpPr>
+        <p:spPr>
+          <a:xfrm>
+            <a:off x="6332924" y="1162736"/>
+            <a:ext cx="5684979" cy="646331"/>
+          </a:xfrm>
+          <a:prstGeom prst="rect">
+            <a:avLst/>
+          </a:prstGeom>
+          <a:noFill/>
+        </p:spPr>
+        <p:txBody>
+          <a:bodyPr wrap="square" rtlCol="0">
+            <a:spAutoFit/>
+          </a:bodyPr>
+          <a:lstStyle/>
+          <a:p>
+            <a:r>
+              <a:rPr lang="en-US" dirty="0">
+                <a:solidFill>
+                  <a:srgbClr val="00B050"/>
+                </a:solidFill>
+              </a:rPr>
+              <a:t>Prediction with Fixed effect &amp; delete ‘operator’</a:t>
+            </a:r>
+          </a:p>
+          <a:p>
+            <a:pPr marL="1200150" lvl="2" indent="-285750">
+              <a:buFont typeface="Wingdings" pitchFamily="2" charset="2"/>
+              <a:buChar char="Ø"/>
+            </a:pPr>
+            <a:r>
+              <a:rPr lang="en-US" dirty="0">
+                <a:solidFill>
+                  <a:srgbClr val="00B050"/>
+                </a:solidFill>
+              </a:rPr>
+              <a:t>‘operator’ has |p|&gt;0.1</a:t>
+            </a:r>
+          </a:p>
+        </p:txBody>
+      </p:sp>
+      <p:sp>
+        <p:nvSpPr>
+          <p:cNvPr id="7" name="Rectangle 6">
+            <a:extLst>
+              <a:ext uri="{FF2B5EF4-FFF2-40B4-BE49-F238E27FC236}">
+                <a16:creationId xmlns:a16="http://schemas.microsoft.com/office/drawing/2014/main" id="{C0CBE4FF-C555-354B-92B9-91A451DAF9F4}"/>
+              </a:ext>
+            </a:extLst>
+          </p:cNvPr>
+          <p:cNvSpPr/>
+          <p:nvPr/>
+        </p:nvSpPr>
+        <p:spPr>
+          <a:xfrm>
+            <a:off x="174096" y="6358269"/>
+            <a:ext cx="2369944" cy="276999"/>
+          </a:xfrm>
+          <a:prstGeom prst="rect">
+            <a:avLst/>
+          </a:prstGeom>
+        </p:spPr>
+        <p:txBody>
+          <a:bodyPr wrap="none">
+            <a:spAutoFit/>
+          </a:bodyPr>
+          <a:lstStyle/>
+          <a:p>
+            <a:pPr lvl="1">
+              <a:buFont typeface="Wingdings" panose="05000000000000000000" pitchFamily="2" charset="2"/>
+              <a:buChar char="Ø"/>
+            </a:pPr>
+            <a:r>
+              <a:rPr lang="en-US" sz="1200" dirty="0"/>
+              <a:t>‘</a:t>
+            </a:r>
+            <a:r>
+              <a:rPr lang="en-US" sz="1200" dirty="0" err="1"/>
+              <a:t>op_number</a:t>
+            </a:r>
+            <a:r>
+              <a:rPr lang="en-US" sz="1200" dirty="0"/>
+              <a:t>’ is ‘operator’</a:t>
+            </a:r>
+          </a:p>
+        </p:txBody>
+      </p:sp>
+    </p:spTree>
+    <p:extLst>
+      <p:ext uri="{BB962C8B-B14F-4D97-AF65-F5344CB8AC3E}">
+        <p14:creationId xmlns:p14="http://schemas.microsoft.com/office/powerpoint/2010/main" val="348476433"/>
+      </p:ext>
+    </p:extLst>
+  </p:cSld>
+  <p:clrMapOvr>
+    <a:masterClrMapping/>
+  </p:clrMapOvr>
+</p:sld>
+</file>
+
+<file path=ppt/slides/slide12.xml><?xml version="1.0" encoding="utf-8"?>
+<p:sld xmlns:a="http://schemas.openxmlformats.org/drawingml/2006/main" xmlns:r="http://schemas.openxmlformats.org/officeDocument/2006/relationships" xmlns:p="http://schemas.openxmlformats.org/presentationml/2006/main">
+  <p:cSld>
+    <p:spTree>
+      <p:nvGrpSpPr>
+        <p:cNvPr id="1" name=""/>
+        <p:cNvGrpSpPr/>
+        <p:nvPr/>
+      </p:nvGrpSpPr>
+      <p:grpSpPr>
+        <a:xfrm>
+          <a:off x="0" y="0"/>
+          <a:ext cx="0" cy="0"/>
+          <a:chOff x="0" y="0"/>
+          <a:chExt cx="0" cy="0"/>
+        </a:xfrm>
+      </p:grpSpPr>
+      <p:sp>
+        <p:nvSpPr>
+          <p:cNvPr id="4" name="Title 1">
+            <a:extLst>
+              <a:ext uri="{FF2B5EF4-FFF2-40B4-BE49-F238E27FC236}">
+                <a16:creationId xmlns:a16="http://schemas.microsoft.com/office/drawing/2014/main" id="{2D57B5EC-5C87-4757-A2E0-6D1F29708BD7}"/>
+              </a:ext>
+            </a:extLst>
+          </p:cNvPr>
+          <p:cNvSpPr txBox="1">
+            <a:spLocks/>
+          </p:cNvSpPr>
+          <p:nvPr/>
+        </p:nvSpPr>
+        <p:spPr>
+          <a:xfrm>
+            <a:off x="838199" y="365125"/>
+            <a:ext cx="6434959" cy="1325563"/>
+          </a:xfrm>
+          <a:prstGeom prst="rect">
+            <a:avLst/>
+          </a:prstGeom>
+        </p:spPr>
+        <p:txBody>
+          <a:bodyPr>
+            <a:normAutofit/>
+          </a:bodyPr>
+          <a:lstStyle>
+            <a:lvl1pPr algn="l" defTabSz="914400" rtl="0" eaLnBrk="1" latinLnBrk="0" hangingPunct="1">
+              <a:lnSpc>
+                <a:spcPct val="90000"/>
+              </a:lnSpc>
+              <a:spcBef>
+                <a:spcPct val="0"/>
+              </a:spcBef>
+              <a:buNone/>
+              <a:defRPr sz="4400" kern="1200">
+                <a:solidFill>
+                  <a:schemeClr val="tx1"/>
+                </a:solidFill>
+                <a:latin typeface="+mj-lt"/>
+                <a:ea typeface="+mj-ea"/>
+                <a:cs typeface="+mj-cs"/>
+              </a:defRPr>
+            </a:lvl1pPr>
+          </a:lstStyle>
+          <a:p>
+            <a:r>
+              <a:rPr lang="en-US" sz="3200" b="1" dirty="0"/>
+              <a:t>Part 7. </a:t>
             </a:r>
             <a:r>
               <a:rPr lang="en-US" sz="3200" b="1" dirty="0">
@@ -3559,7 +4609,7 @@
         <p:spPr>
           <a:xfrm>
             <a:off x="642891" y="924223"/>
-            <a:ext cx="10710910" cy="2957861"/>
+            <a:ext cx="10710910" cy="2542363"/>
           </a:xfrm>
           <a:prstGeom prst="rect">
             <a:avLst/>
@@ -3583,7 +4633,7 @@
             </a:r>
           </a:p>
           <a:p>
-            <a:pPr marL="342900" indent="-342900">
+            <a:pPr marL="800100" lvl="1" indent="-342900">
               <a:lnSpc>
                 <a:spcPct val="150000"/>
               </a:lnSpc>
@@ -3596,7 +4646,7 @@
             </a:r>
           </a:p>
           <a:p>
-            <a:pPr marL="742950" lvl="1" indent="-285750">
+            <a:pPr marL="1200150" lvl="2" indent="-285750">
               <a:lnSpc>
                 <a:spcPct val="150000"/>
               </a:lnSpc>
@@ -3605,11 +4655,11 @@
             </a:pPr>
             <a:r>
               <a:rPr lang="en-US" dirty="0"/>
-              <a:t>Learn from the related publications to justify the selected variables</a:t>
-            </a:r>
-          </a:p>
-          <a:p>
-            <a:pPr marL="742950" lvl="1" indent="-285750">
+              <a:t>Learn more from the related publications to justify the selected variables</a:t>
+            </a:r>
+          </a:p>
+          <a:p>
+            <a:pPr marL="1200150" lvl="2" indent="-285750">
               <a:lnSpc>
                 <a:spcPct val="150000"/>
               </a:lnSpc>
@@ -3622,7 +4672,7 @@
             </a:r>
           </a:p>
           <a:p>
-            <a:pPr marL="342900" indent="-342900">
+            <a:pPr marL="800100" lvl="1" indent="-342900">
               <a:lnSpc>
                 <a:spcPct val="150000"/>
               </a:lnSpc>
@@ -3635,7 +4685,7 @@
             </a:r>
           </a:p>
           <a:p>
-            <a:pPr marL="742950" lvl="1" indent="-285750">
+            <a:pPr marL="1200150" lvl="2" indent="-285750">
               <a:lnSpc>
                 <a:spcPct val="150000"/>
               </a:lnSpc>
@@ -3644,25 +4694,7 @@
             </a:pPr>
             <a:r>
               <a:rPr lang="en-US" dirty="0"/>
-              <a:t>Using deep learning model to improve </a:t>
-            </a:r>
-            <a:r>
-              <a:rPr lang="en-US"/>
-              <a:t>the fitting</a:t>
-            </a:r>
-            <a:endParaRPr lang="en-US" dirty="0"/>
-          </a:p>
-          <a:p>
-            <a:pPr marL="342900" indent="-342900">
-              <a:lnSpc>
-                <a:spcPct val="150000"/>
-              </a:lnSpc>
-              <a:buFont typeface="+mj-lt"/>
-              <a:buAutoNum type="arabicParenR"/>
-            </a:pPr>
-            <a:r>
-              <a:rPr lang="en-US" dirty="0"/>
-              <a:t>Use fixed effect to test the operator and time effect</a:t>
+              <a:t>Using deep learning model to improve the fitting</a:t>
             </a:r>
           </a:p>
         </p:txBody>
@@ -3711,7 +4743,7 @@
         </p:nvSpPr>
         <p:spPr>
           <a:xfrm>
-            <a:off x="2039902" y="787485"/>
+            <a:off x="3405565" y="407474"/>
             <a:ext cx="1109599" cy="461665"/>
           </a:xfrm>
           <a:prstGeom prst="rect">
@@ -3747,14 +4779,14 @@
           <p:nvPr>
             <p:extLst>
               <p:ext uri="{D42A27DB-BD31-4B8C-83A1-F6EECF244321}">
-                <p14:modId xmlns:p14="http://schemas.microsoft.com/office/powerpoint/2010/main" val="677368256"/>
+                <p14:modId xmlns:p14="http://schemas.microsoft.com/office/powerpoint/2010/main" val="3547329450"/>
               </p:ext>
             </p:extLst>
           </p:nvPr>
         </p:nvGraphicFramePr>
         <p:xfrm>
-          <a:off x="1607419" y="1574800"/>
-          <a:ext cx="7794482" cy="4659270"/>
+          <a:off x="1607419" y="1267806"/>
+          <a:ext cx="7794482" cy="5435815"/>
         </p:xfrm>
         <a:graphic>
           <a:graphicData uri="http://schemas.openxmlformats.org/drawingml/2006/table">
@@ -4458,6 +5490,125 @@
                             <a:schemeClr val="tx1"/>
                           </a:solidFill>
                         </a:rPr>
+                        <a:t>Improving prediction with Fixed effect model</a:t>
+                      </a:r>
+                    </a:p>
+                  </a:txBody>
+                  <a:tcPr>
+                    <a:lnL w="12700" cap="flat" cmpd="sng" algn="ctr">
+                      <a:noFill/>
+                      <a:prstDash val="solid"/>
+                      <a:round/>
+                      <a:headEnd type="none" w="med" len="med"/>
+                      <a:tailEnd type="none" w="med" len="med"/>
+                    </a:lnL>
+                    <a:lnR w="12700" cap="flat" cmpd="sng" algn="ctr">
+                      <a:noFill/>
+                      <a:prstDash val="solid"/>
+                      <a:round/>
+                      <a:headEnd type="none" w="med" len="med"/>
+                      <a:tailEnd type="none" w="med" len="med"/>
+                    </a:lnR>
+                    <a:lnT w="12700" cap="flat" cmpd="sng" algn="ctr">
+                      <a:noFill/>
+                      <a:prstDash val="solid"/>
+                      <a:round/>
+                      <a:headEnd type="none" w="med" len="med"/>
+                      <a:tailEnd type="none" w="med" len="med"/>
+                    </a:lnT>
+                    <a:lnB w="12700" cap="flat" cmpd="sng" algn="ctr">
+                      <a:noFill/>
+                      <a:prstDash val="solid"/>
+                      <a:round/>
+                      <a:headEnd type="none" w="med" len="med"/>
+                      <a:tailEnd type="none" w="med" len="med"/>
+                    </a:lnB>
+                    <a:lnTlToBr w="12700" cmpd="sng">
+                      <a:noFill/>
+                      <a:prstDash val="solid"/>
+                    </a:lnTlToBr>
+                    <a:lnBlToTr w="12700" cmpd="sng">
+                      <a:noFill/>
+                      <a:prstDash val="solid"/>
+                    </a:lnBlToTr>
+                    <a:noFill/>
+                  </a:tcPr>
+                </a:tc>
+                <a:extLst>
+                  <a:ext uri="{0D108BD9-81ED-4DB2-BD59-A6C34878D82A}">
+                    <a16:rowId xmlns:a16="http://schemas.microsoft.com/office/drawing/2014/main" val="2002024943"/>
+                  </a:ext>
+                </a:extLst>
+              </a:tr>
+              <a:tr h="776545">
+                <a:tc>
+                  <a:txBody>
+                    <a:bodyPr/>
+                    <a:lstStyle/>
+                    <a:p>
+                      <a:pPr algn="ctr"/>
+                      <a:r>
+                        <a:rPr lang="en-US" b="1" dirty="0">
+                          <a:solidFill>
+                            <a:schemeClr val="tx1"/>
+                          </a:solidFill>
+                        </a:rPr>
+                        <a:t>Part 6</a:t>
+                      </a:r>
+                    </a:p>
+                  </a:txBody>
+                  <a:tcPr>
+                    <a:lnL w="12700" cap="flat" cmpd="sng" algn="ctr">
+                      <a:noFill/>
+                      <a:prstDash val="solid"/>
+                      <a:round/>
+                      <a:headEnd type="none" w="med" len="med"/>
+                      <a:tailEnd type="none" w="med" len="med"/>
+                    </a:lnL>
+                    <a:lnR w="12700" cap="flat" cmpd="sng" algn="ctr">
+                      <a:noFill/>
+                      <a:prstDash val="solid"/>
+                      <a:round/>
+                      <a:headEnd type="none" w="med" len="med"/>
+                      <a:tailEnd type="none" w="med" len="med"/>
+                    </a:lnR>
+                    <a:lnT w="12700" cap="flat" cmpd="sng" algn="ctr">
+                      <a:noFill/>
+                      <a:prstDash val="solid"/>
+                      <a:round/>
+                      <a:headEnd type="none" w="med" len="med"/>
+                      <a:tailEnd type="none" w="med" len="med"/>
+                    </a:lnT>
+                    <a:lnB w="12700" cap="flat" cmpd="sng" algn="ctr">
+                      <a:noFill/>
+                      <a:prstDash val="solid"/>
+                      <a:round/>
+                      <a:headEnd type="none" w="med" len="med"/>
+                      <a:tailEnd type="none" w="med" len="med"/>
+                    </a:lnB>
+                    <a:lnTlToBr w="12700" cmpd="sng">
+                      <a:noFill/>
+                      <a:prstDash val="solid"/>
+                    </a:lnTlToBr>
+                    <a:lnBlToTr w="12700" cmpd="sng">
+                      <a:noFill/>
+                      <a:prstDash val="solid"/>
+                    </a:lnBlToTr>
+                    <a:noFill/>
+                  </a:tcPr>
+                </a:tc>
+                <a:tc>
+                  <a:txBody>
+                    <a:bodyPr/>
+                    <a:lstStyle/>
+                    <a:p>
+                      <a:pPr algn="l"/>
+                      <a:r>
+                        <a:rPr lang="en-US" b="1" dirty="0">
+                          <a:solidFill>
+                            <a:schemeClr val="tx1"/>
+                          </a:solidFill>
+                        </a:rPr>
                         <a:t>Shortcomings and Future work</a:t>
                       </a:r>
                     </a:p>
@@ -4561,186 +5712,37 @@
         <p:spPr>
           <a:xfrm>
             <a:off x="838200" y="365125"/>
-            <a:ext cx="5118717" cy="1325563"/>
+            <a:ext cx="10609613" cy="1325563"/>
           </a:xfrm>
         </p:spPr>
         <p:txBody>
           <a:bodyPr>
-            <a:normAutofit/>
+            <a:normAutofit fontScale="90000"/>
           </a:bodyPr>
           <a:lstStyle/>
           <a:p>
             <a:r>
               <a:rPr lang="en-US" sz="3200" b="1" dirty="0"/>
-              <a:t>Part 1. Summarizing the result</a:t>
-            </a:r>
+              <a:t>Part 1. Summarizing the result </a:t>
+            </a:r>
+            <a:br>
+              <a:rPr lang="en-US" sz="3200" b="1" dirty="0"/>
+            </a:br>
+            <a:r>
+              <a:rPr lang="en-US" sz="3200" b="1" dirty="0"/>
+              <a:t>             -- </a:t>
+            </a:r>
+            <a:r>
+              <a:rPr lang="en-US" sz="3200" dirty="0"/>
+              <a:t>Using multi-linear regression model to predict oil production </a:t>
+            </a:r>
+            <a:br>
+              <a:rPr lang="en-US" sz="3200" dirty="0"/>
+            </a:br>
             <a:endParaRPr lang="en-US" sz="3200" dirty="0"/>
           </a:p>
         </p:txBody>
       </p:sp>
-      <p:sp>
-        <p:nvSpPr>
-          <p:cNvPr id="4" name="Content Placeholder 2">
-            <a:extLst>
-              <a:ext uri="{FF2B5EF4-FFF2-40B4-BE49-F238E27FC236}">
-                <a16:creationId xmlns:a16="http://schemas.microsoft.com/office/drawing/2014/main" id="{394F5DD2-59D1-408A-BAD9-A2786C8C1710}"/>
-              </a:ext>
-            </a:extLst>
-          </p:cNvPr>
-          <p:cNvSpPr>
-            <a:spLocks noGrp="1"/>
-          </p:cNvSpPr>
-          <p:nvPr>
-            <p:ph idx="1"/>
-          </p:nvPr>
-        </p:nvSpPr>
-        <p:spPr>
-          <a:xfrm>
-            <a:off x="568171" y="2248823"/>
-            <a:ext cx="8575829" cy="1470921"/>
-          </a:xfrm>
-        </p:spPr>
-        <p:txBody>
-          <a:bodyPr>
-            <a:normAutofit/>
-          </a:bodyPr>
-          <a:lstStyle/>
-          <a:p>
-            <a:r>
-              <a:rPr lang="en-US" sz="2400" dirty="0"/>
-              <a:t>Using multi-linear regression model to predict oil production </a:t>
-            </a:r>
-          </a:p>
-          <a:p>
-            <a:pPr marL="0" indent="0">
-              <a:buNone/>
-            </a:pPr>
-            <a:r>
-              <a:rPr lang="en-US" sz="1800" dirty="0">
-                <a:solidFill>
-                  <a:schemeClr val="accent1"/>
-                </a:solidFill>
-              </a:rPr>
-              <a:t>Y= -1.7*e^(-16) + 0.29*</a:t>
-            </a:r>
-            <a:r>
-              <a:rPr lang="en-US" sz="1800" dirty="0" err="1">
-                <a:solidFill>
-                  <a:schemeClr val="accent1"/>
-                </a:solidFill>
-              </a:rPr>
-              <a:t>tvd</a:t>
-            </a:r>
-            <a:r>
-              <a:rPr lang="en-US" sz="1800" dirty="0">
-                <a:solidFill>
-                  <a:schemeClr val="accent1"/>
-                </a:solidFill>
-              </a:rPr>
-              <a:t>(ft) + 0.06*well spacing - 0.06*log permeability - 0.13*porosity + 0.18*</a:t>
-            </a:r>
-            <a:r>
-              <a:rPr lang="en-US" sz="1800" dirty="0" err="1">
-                <a:solidFill>
-                  <a:schemeClr val="accent1"/>
-                </a:solidFill>
-              </a:rPr>
-              <a:t>poisson</a:t>
-            </a:r>
-            <a:r>
-              <a:rPr lang="en-US" sz="1800" dirty="0">
-                <a:solidFill>
-                  <a:schemeClr val="accent1"/>
-                </a:solidFill>
-              </a:rPr>
-              <a:t> ratio -0.3*(p-velocity) + 0.12*(s-velocity)-0.46*</a:t>
-            </a:r>
-            <a:r>
-              <a:rPr lang="en-US" sz="1800" dirty="0" err="1">
-                <a:solidFill>
-                  <a:schemeClr val="accent1"/>
-                </a:solidFill>
-              </a:rPr>
-              <a:t>youngs</a:t>
-            </a:r>
-            <a:r>
-              <a:rPr lang="en-US" sz="1800" dirty="0">
-                <a:solidFill>
-                  <a:schemeClr val="accent1"/>
-                </a:solidFill>
-              </a:rPr>
-              <a:t> </a:t>
-            </a:r>
-            <a:r>
-              <a:rPr lang="en-US" sz="1800" dirty="0" err="1">
-                <a:solidFill>
-                  <a:schemeClr val="accent1"/>
-                </a:solidFill>
-              </a:rPr>
-              <a:t>modulud</a:t>
-            </a:r>
-            <a:r>
-              <a:rPr lang="en-US" sz="1800" dirty="0">
-                <a:solidFill>
-                  <a:schemeClr val="accent1"/>
-                </a:solidFill>
-              </a:rPr>
-              <a:t> + 0.22*total number of stages + 0.36*proppant volume + 0.10*</a:t>
-            </a:r>
-            <a:r>
-              <a:rPr lang="en-US" sz="1800" dirty="0" err="1">
-                <a:solidFill>
-                  <a:schemeClr val="accent1"/>
-                </a:solidFill>
-              </a:rPr>
-              <a:t>date_sec</a:t>
-            </a:r>
-            <a:r>
-              <a:rPr lang="en-US" sz="1800" dirty="0">
-                <a:solidFill>
-                  <a:schemeClr val="accent1"/>
-                </a:solidFill>
-              </a:rPr>
-              <a:t> - 0.05*operator</a:t>
-            </a:r>
-          </a:p>
-        </p:txBody>
-      </p:sp>
-      <p:pic>
-        <p:nvPicPr>
-          <p:cNvPr id="5" name="Picture 4" descr="A picture containing graphical user interface, application&#10;&#10;Description automatically generated">
-            <a:extLst>
-              <a:ext uri="{FF2B5EF4-FFF2-40B4-BE49-F238E27FC236}">
-                <a16:creationId xmlns:a16="http://schemas.microsoft.com/office/drawing/2014/main" id="{E5BAE275-3EF4-4ED4-81E4-3F622125C500}"/>
-              </a:ext>
-            </a:extLst>
-          </p:cNvPr>
-          <p:cNvPicPr>
-            <a:picLocks noChangeAspect="1"/>
-          </p:cNvPicPr>
-          <p:nvPr/>
-        </p:nvPicPr>
-        <p:blipFill rotWithShape="1">
-          <a:blip r:embed="rId2">
-            <a:extLst>
-              <a:ext uri="{28A0092B-C50C-407E-A947-70E740481C1C}">
-                <a14:useLocalDpi xmlns:a14="http://schemas.microsoft.com/office/drawing/2010/main" val="0"/>
-              </a:ext>
-            </a:extLst>
-          </a:blip>
-          <a:srcRect l="-282" t="2345" r="280" b="-2945"/>
-          <a:stretch/>
-        </p:blipFill>
-        <p:spPr>
-          <a:xfrm>
-            <a:off x="9463595" y="2530019"/>
-            <a:ext cx="2312169" cy="3993695"/>
-          </a:xfrm>
-          <a:prstGeom prst="rect">
-            <a:avLst/>
-          </a:prstGeom>
-        </p:spPr>
-      </p:pic>
       <p:sp>
         <p:nvSpPr>
           <p:cNvPr id="6" name="Content Placeholder 2">
@@ -4757,8 +5759,8 @@
         </p:nvSpPr>
         <p:spPr>
           <a:xfrm>
-            <a:off x="727968" y="4277879"/>
-            <a:ext cx="8575829" cy="1128622"/>
+            <a:off x="485043" y="4657889"/>
+            <a:ext cx="5041114" cy="1434153"/>
           </a:xfrm>
           <a:prstGeom prst="rect">
             <a:avLst/>
@@ -4933,37 +5935,28 @@
             </a:lvl9pPr>
           </a:lstStyle>
           <a:p>
-            <a:pPr marL="0" indent="0">
-              <a:buNone/>
-            </a:pPr>
-            <a:r>
-              <a:rPr lang="en-US" sz="1600" dirty="0"/>
-              <a:t>Note: </a:t>
-            </a:r>
-          </a:p>
-          <a:p>
             <a:pPr lvl="1">
               <a:buFont typeface="Wingdings" panose="05000000000000000000" pitchFamily="2" charset="2"/>
               <a:buChar char="Ø"/>
             </a:pPr>
             <a:r>
-              <a:rPr lang="en-US" sz="1200" dirty="0"/>
+              <a:rPr lang="en-US" sz="2000" dirty="0"/>
               <a:t>‘</a:t>
             </a:r>
             <a:r>
-              <a:rPr lang="en-US" sz="1200" dirty="0" err="1"/>
+              <a:rPr lang="en-US" sz="2000" dirty="0" err="1"/>
               <a:t>date_sec</a:t>
             </a:r>
             <a:r>
-              <a:rPr lang="en-US" sz="1200" dirty="0"/>
+              <a:rPr lang="en-US" sz="2000" dirty="0"/>
               <a:t>’ is the </a:t>
             </a:r>
             <a:r>
-              <a:rPr lang="en-US" sz="1200" dirty="0" err="1"/>
+              <a:rPr lang="en-US" sz="2000" dirty="0" err="1"/>
               <a:t>unix</a:t>
             </a:r>
             <a:r>
-              <a:rPr lang="en-US" sz="1200" dirty="0"/>
+              <a:rPr lang="en-US" sz="2000" dirty="0"/>
               <a:t> timestamp second</a:t>
             </a:r>
           </a:p>
@@ -4973,14 +5966,184 @@
               <a:buChar char="Ø"/>
             </a:pPr>
             <a:r>
-              <a:rPr lang="en-US" sz="1200" dirty="0"/>
-              <a:t>‘Operator’ was the label number of operator</a:t>
-            </a:r>
-            <a:endParaRPr lang="en-US" sz="800" dirty="0">
-              <a:solidFill>
-                <a:schemeClr val="accent1"/>
-              </a:solidFill>
-            </a:endParaRPr>
+              <a:rPr lang="en-US" sz="2000" dirty="0"/>
+              <a:t>R-squared : 0.847</a:t>
+            </a:r>
+          </a:p>
+          <a:p>
+            <a:pPr lvl="1">
+              <a:buFont typeface="Wingdings" panose="05000000000000000000" pitchFamily="2" charset="2"/>
+              <a:buChar char="Ø"/>
+            </a:pPr>
+            <a:r>
+              <a:rPr lang="en-US" sz="2000" dirty="0"/>
+              <a:t>Adj. R-squared: 0.844</a:t>
+            </a:r>
+          </a:p>
+        </p:txBody>
+      </p:sp>
+      <p:pic>
+        <p:nvPicPr>
+          <p:cNvPr id="7" name="Picture 6" descr="A close up of text on a white surface&#10;&#10;Description automatically generated">
+            <a:extLst>
+              <a:ext uri="{FF2B5EF4-FFF2-40B4-BE49-F238E27FC236}">
+                <a16:creationId xmlns:a16="http://schemas.microsoft.com/office/drawing/2014/main" id="{5833AD6C-6F6C-504F-8074-7AEB56041FFC}"/>
+              </a:ext>
+            </a:extLst>
+          </p:cNvPr>
+          <p:cNvPicPr>
+            <a:picLocks noChangeAspect="1"/>
+          </p:cNvPicPr>
+          <p:nvPr/>
+        </p:nvPicPr>
+        <p:blipFill>
+          <a:blip r:embed="rId2">
+            <a:extLst>
+              <a:ext uri="{28A0092B-C50C-407E-A947-70E740481C1C}">
+                <a14:useLocalDpi xmlns:a14="http://schemas.microsoft.com/office/drawing/2010/main" val="0"/>
+              </a:ext>
+            </a:extLst>
+          </a:blip>
+          <a:stretch>
+            <a:fillRect/>
+          </a:stretch>
+        </p:blipFill>
+        <p:spPr>
+          <a:xfrm>
+            <a:off x="5625265" y="1855479"/>
+            <a:ext cx="6436107" cy="4497820"/>
+          </a:xfrm>
+          <a:prstGeom prst="rect">
+            <a:avLst/>
+          </a:prstGeom>
+        </p:spPr>
+      </p:pic>
+      <p:sp>
+        <p:nvSpPr>
+          <p:cNvPr id="8" name="Rectangle 7">
+            <a:extLst>
+              <a:ext uri="{FF2B5EF4-FFF2-40B4-BE49-F238E27FC236}">
+                <a16:creationId xmlns:a16="http://schemas.microsoft.com/office/drawing/2014/main" id="{AE809C39-98EA-3542-AE5B-6FE7B986CEB7}"/>
+              </a:ext>
+            </a:extLst>
+          </p:cNvPr>
+          <p:cNvSpPr/>
+          <p:nvPr/>
+        </p:nvSpPr>
+        <p:spPr>
+          <a:xfrm>
+            <a:off x="349557" y="2073064"/>
+            <a:ext cx="5406335" cy="2031325"/>
+          </a:xfrm>
+          <a:prstGeom prst="rect">
+            <a:avLst/>
+          </a:prstGeom>
+        </p:spPr>
+        <p:txBody>
+          <a:bodyPr wrap="square">
+            <a:spAutoFit/>
+          </a:bodyPr>
+          <a:lstStyle/>
+          <a:p>
+            <a:r>
+              <a:rPr lang="en-US" b="1" dirty="0">
+                <a:solidFill>
+                  <a:schemeClr val="accent1"/>
+                </a:solidFill>
+              </a:rPr>
+              <a:t>Production </a:t>
+            </a:r>
+          </a:p>
+          <a:p>
+            <a:pPr lvl="1"/>
+            <a:r>
+              <a:rPr lang="en-US" dirty="0">
+                <a:solidFill>
+                  <a:schemeClr val="accent1"/>
+                </a:solidFill>
+              </a:rPr>
+              <a:t>= 0.46*</a:t>
+            </a:r>
+            <a:r>
+              <a:rPr lang="en-US" dirty="0" err="1">
+                <a:solidFill>
+                  <a:schemeClr val="accent1"/>
+                </a:solidFill>
+              </a:rPr>
+              <a:t>tvd</a:t>
+            </a:r>
+            <a:r>
+              <a:rPr lang="en-US" dirty="0">
+                <a:solidFill>
+                  <a:schemeClr val="accent1"/>
+                </a:solidFill>
+              </a:rPr>
+              <a:t>(ft) + 0.08*well spacing – 300.43*log permeability – 4302.5718*porosity + 8105.08*</a:t>
+            </a:r>
+            <a:r>
+              <a:rPr lang="en-US" dirty="0" err="1">
+                <a:solidFill>
+                  <a:schemeClr val="accent1"/>
+                </a:solidFill>
+              </a:rPr>
+              <a:t>poisson</a:t>
+            </a:r>
+            <a:r>
+              <a:rPr lang="en-US" dirty="0">
+                <a:solidFill>
+                  <a:schemeClr val="accent1"/>
+                </a:solidFill>
+              </a:rPr>
+              <a:t> ratio -0.50*(p-velocity) + 2.06*(s-velocity)-566.12*</a:t>
+            </a:r>
+            <a:r>
+              <a:rPr lang="en-US" dirty="0" err="1">
+                <a:solidFill>
+                  <a:schemeClr val="accent1"/>
+                </a:solidFill>
+              </a:rPr>
+              <a:t>youngs</a:t>
+            </a:r>
+            <a:r>
+              <a:rPr lang="en-US" dirty="0">
+                <a:solidFill>
+                  <a:schemeClr val="accent1"/>
+                </a:solidFill>
+              </a:rPr>
+              <a:t> </a:t>
+            </a:r>
+            <a:r>
+              <a:rPr lang="en-US" dirty="0" err="1">
+                <a:solidFill>
+                  <a:schemeClr val="accent1"/>
+                </a:solidFill>
+              </a:rPr>
+              <a:t>modulud</a:t>
+            </a:r>
+            <a:r>
+              <a:rPr lang="en-US" dirty="0">
+                <a:solidFill>
+                  <a:schemeClr val="accent1"/>
+                </a:solidFill>
+              </a:rPr>
+              <a:t> + 17.36*total number of stages + 8.88*(e^(-5))*proppant volume + 2.91**(e^(-6))*</a:t>
+            </a:r>
+            <a:r>
+              <a:rPr lang="en-US" dirty="0" err="1">
+                <a:solidFill>
+                  <a:schemeClr val="accent1"/>
+                </a:solidFill>
+              </a:rPr>
+              <a:t>date_sec</a:t>
+            </a:r>
+            <a:r>
+              <a:rPr lang="en-US" dirty="0">
+                <a:solidFill>
+                  <a:schemeClr val="accent1"/>
+                </a:solidFill>
+              </a:rPr>
+              <a:t> - 0.05*operator</a:t>
+            </a:r>
           </a:p>
         </p:txBody>
       </p:sp>
@@ -5019,244 +6182,6 @@
           <p:cNvPr id="2" name="Title 1">
             <a:extLst>
               <a:ext uri="{FF2B5EF4-FFF2-40B4-BE49-F238E27FC236}">
-                <a16:creationId xmlns:a16="http://schemas.microsoft.com/office/drawing/2014/main" id="{207B134B-CFFE-49BD-8EA9-BF2A5F57A9D9}"/>
-              </a:ext>
-            </a:extLst>
-          </p:cNvPr>
-          <p:cNvSpPr>
-            <a:spLocks noGrp="1"/>
-          </p:cNvSpPr>
-          <p:nvPr>
-            <p:ph type="title"/>
-          </p:nvPr>
-        </p:nvSpPr>
-        <p:spPr>
-          <a:xfrm>
-            <a:off x="838200" y="365125"/>
-            <a:ext cx="5118717" cy="1325563"/>
-          </a:xfrm>
-        </p:spPr>
-        <p:txBody>
-          <a:bodyPr>
-            <a:normAutofit/>
-          </a:bodyPr>
-          <a:lstStyle/>
-          <a:p>
-            <a:r>
-              <a:rPr lang="en-US" sz="3200" b="1" dirty="0"/>
-              <a:t>Part 1. Summarizing the result</a:t>
-            </a:r>
-            <a:endParaRPr lang="en-US" sz="3200" dirty="0"/>
-          </a:p>
-        </p:txBody>
-      </p:sp>
-      <p:pic>
-        <p:nvPicPr>
-          <p:cNvPr id="9" name="Picture 8" descr="Chart, scatter chart&#10;&#10;Description automatically generated">
-            <a:extLst>
-              <a:ext uri="{FF2B5EF4-FFF2-40B4-BE49-F238E27FC236}">
-                <a16:creationId xmlns:a16="http://schemas.microsoft.com/office/drawing/2014/main" id="{ADFB9FDE-6926-419E-B7AC-94EBB73706E9}"/>
-              </a:ext>
-            </a:extLst>
-          </p:cNvPr>
-          <p:cNvPicPr>
-            <a:picLocks noChangeAspect="1"/>
-          </p:cNvPicPr>
-          <p:nvPr/>
-        </p:nvPicPr>
-        <p:blipFill>
-          <a:blip r:embed="rId2">
-            <a:extLst>
-              <a:ext uri="{28A0092B-C50C-407E-A947-70E740481C1C}">
-                <a14:useLocalDpi xmlns:a14="http://schemas.microsoft.com/office/drawing/2010/main" val="0"/>
-              </a:ext>
-            </a:extLst>
-          </a:blip>
-          <a:stretch>
-            <a:fillRect/>
-          </a:stretch>
-        </p:blipFill>
-        <p:spPr>
-          <a:xfrm>
-            <a:off x="760169" y="1901508"/>
-            <a:ext cx="4700071" cy="3353564"/>
-          </a:xfrm>
-          <a:prstGeom prst="rect">
-            <a:avLst/>
-          </a:prstGeom>
-        </p:spPr>
-      </p:pic>
-      <p:pic>
-        <p:nvPicPr>
-          <p:cNvPr id="11" name="Picture 10" descr="Chart, histogram&#10;&#10;Description automatically generated">
-            <a:extLst>
-              <a:ext uri="{FF2B5EF4-FFF2-40B4-BE49-F238E27FC236}">
-                <a16:creationId xmlns:a16="http://schemas.microsoft.com/office/drawing/2014/main" id="{EFD9D204-1283-4425-BD94-AC730FD9C043}"/>
-              </a:ext>
-            </a:extLst>
-          </p:cNvPr>
-          <p:cNvPicPr>
-            <a:picLocks noChangeAspect="1"/>
-          </p:cNvPicPr>
-          <p:nvPr/>
-        </p:nvPicPr>
-        <p:blipFill>
-          <a:blip r:embed="rId3">
-            <a:extLst>
-              <a:ext uri="{28A0092B-C50C-407E-A947-70E740481C1C}">
-                <a14:useLocalDpi xmlns:a14="http://schemas.microsoft.com/office/drawing/2010/main" val="0"/>
-              </a:ext>
-            </a:extLst>
-          </a:blip>
-          <a:stretch>
-            <a:fillRect/>
-          </a:stretch>
-        </p:blipFill>
-        <p:spPr>
-          <a:xfrm>
-            <a:off x="6837770" y="1901508"/>
-            <a:ext cx="4674665" cy="3353564"/>
-          </a:xfrm>
-          <a:prstGeom prst="rect">
-            <a:avLst/>
-          </a:prstGeom>
-        </p:spPr>
-      </p:pic>
-      <p:sp>
-        <p:nvSpPr>
-          <p:cNvPr id="12" name="TextBox 11">
-            <a:extLst>
-              <a:ext uri="{FF2B5EF4-FFF2-40B4-BE49-F238E27FC236}">
-                <a16:creationId xmlns:a16="http://schemas.microsoft.com/office/drawing/2014/main" id="{D5ADB01F-9122-43C8-94AE-5A26C10E224F}"/>
-              </a:ext>
-            </a:extLst>
-          </p:cNvPr>
-          <p:cNvSpPr txBox="1"/>
-          <p:nvPr/>
-        </p:nvSpPr>
-        <p:spPr>
-          <a:xfrm>
-            <a:off x="4970316" y="5751734"/>
-            <a:ext cx="2596224" cy="923330"/>
-          </a:xfrm>
-          <a:prstGeom prst="rect">
-            <a:avLst/>
-          </a:prstGeom>
-          <a:noFill/>
-        </p:spPr>
-        <p:txBody>
-          <a:bodyPr wrap="none" rtlCol="0">
-            <a:spAutoFit/>
-          </a:bodyPr>
-          <a:lstStyle/>
-          <a:p>
-            <a:r>
-              <a:rPr lang="en-US" dirty="0" err="1"/>
-              <a:t>mean_squared_error</a:t>
-            </a:r>
-            <a:r>
-              <a:rPr lang="en-US" dirty="0"/>
-              <a:t>: 0.5</a:t>
-            </a:r>
-          </a:p>
-          <a:p>
-            <a:r>
-              <a:rPr lang="en-US" dirty="0"/>
-              <a:t>Mean_absolute_error:0.5</a:t>
-            </a:r>
-          </a:p>
-          <a:p>
-            <a:r>
-              <a:rPr lang="en-US" dirty="0"/>
-              <a:t>R</a:t>
-            </a:r>
-            <a:r>
-              <a:rPr lang="en-US" baseline="30000" dirty="0"/>
-              <a:t>2</a:t>
-            </a:r>
-            <a:r>
-              <a:rPr lang="en-US" dirty="0"/>
-              <a:t>: 0.54</a:t>
-            </a:r>
-          </a:p>
-        </p:txBody>
-      </p:sp>
-      <p:sp>
-        <p:nvSpPr>
-          <p:cNvPr id="13" name="Rectangle 12">
-            <a:extLst>
-              <a:ext uri="{FF2B5EF4-FFF2-40B4-BE49-F238E27FC236}">
-                <a16:creationId xmlns:a16="http://schemas.microsoft.com/office/drawing/2014/main" id="{540226E5-81D5-4876-B72D-5C784A595D7C}"/>
-              </a:ext>
-            </a:extLst>
-          </p:cNvPr>
-          <p:cNvSpPr/>
-          <p:nvPr/>
-        </p:nvSpPr>
-        <p:spPr>
-          <a:xfrm>
-            <a:off x="7926829" y="5266992"/>
-            <a:ext cx="2819041" cy="369332"/>
-          </a:xfrm>
-          <a:prstGeom prst="rect">
-            <a:avLst/>
-          </a:prstGeom>
-        </p:spPr>
-        <p:txBody>
-          <a:bodyPr wrap="none">
-            <a:spAutoFit/>
-          </a:bodyPr>
-          <a:lstStyle/>
-          <a:p>
-            <a:r>
-              <a:rPr lang="en-US" b="0" i="0" dirty="0">
-                <a:solidFill>
-                  <a:srgbClr val="0A0A23"/>
-                </a:solidFill>
-                <a:effectLst/>
-                <a:latin typeface="Lato"/>
-              </a:rPr>
-              <a:t>histogram of the residuals</a:t>
-            </a:r>
-            <a:endParaRPr lang="en-US" dirty="0"/>
-          </a:p>
-        </p:txBody>
-      </p:sp>
-    </p:spTree>
-    <p:extLst>
-      <p:ext uri="{BB962C8B-B14F-4D97-AF65-F5344CB8AC3E}">
-        <p14:creationId xmlns:p14="http://schemas.microsoft.com/office/powerpoint/2010/main" val="3170045678"/>
-      </p:ext>
-    </p:extLst>
-  </p:cSld>
-  <p:clrMapOvr>
-    <a:masterClrMapping/>
-  </p:clrMapOvr>
-</p:sld>
-</file>
-
-<file path=ppt/slides/slide5.xml><?xml version="1.0" encoding="utf-8"?>
-<p:sld xmlns:a="http://schemas.openxmlformats.org/drawingml/2006/main" xmlns:r="http://schemas.openxmlformats.org/officeDocument/2006/relationships" xmlns:p="http://schemas.openxmlformats.org/presentationml/2006/main">
-  <p:cSld>
-    <p:spTree>
-      <p:nvGrpSpPr>
-        <p:cNvPr id="1" name=""/>
-        <p:cNvGrpSpPr/>
-        <p:nvPr/>
-      </p:nvGrpSpPr>
-      <p:grpSpPr>
-        <a:xfrm>
-          <a:off x="0" y="0"/>
-          <a:ext cx="0" cy="0"/>
-          <a:chOff x="0" y="0"/>
-          <a:chExt cx="0" cy="0"/>
-        </a:xfrm>
-      </p:grpSpPr>
-      <p:sp>
-        <p:nvSpPr>
-          <p:cNvPr id="2" name="Title 1">
-            <a:extLst>
-              <a:ext uri="{FF2B5EF4-FFF2-40B4-BE49-F238E27FC236}">
                 <a16:creationId xmlns:a16="http://schemas.microsoft.com/office/drawing/2014/main" id="{EA68D6D1-5DC0-4F09-97F3-43CF6F1B7FAB}"/>
               </a:ext>
             </a:extLst>
@@ -5309,10 +6234,8 @@
                   <a:schemeClr val="tx1"/>
                 </a:solidFill>
               </a:rPr>
-              <a:t>Understanding data and changing data type</a:t>
-            </a:r>
-          </a:p>
-          <a:p>
+              <a:t>Understanding data</a:t>
+            </a:r>
             <a:endParaRPr lang="en-US" sz="3200" dirty="0"/>
           </a:p>
         </p:txBody>
@@ -5389,41 +6312,6 @@
           </a:prstGeom>
         </p:spPr>
       </p:pic>
-      <p:sp>
-        <p:nvSpPr>
-          <p:cNvPr id="7" name="TextBox 6">
-            <a:extLst>
-              <a:ext uri="{FF2B5EF4-FFF2-40B4-BE49-F238E27FC236}">
-                <a16:creationId xmlns:a16="http://schemas.microsoft.com/office/drawing/2014/main" id="{59744B5E-431A-45E0-99AB-B2BACF8AFA92}"/>
-              </a:ext>
-            </a:extLst>
-          </p:cNvPr>
-          <p:cNvSpPr txBox="1"/>
-          <p:nvPr/>
-        </p:nvSpPr>
-        <p:spPr>
-          <a:xfrm>
-            <a:off x="958153" y="4818673"/>
-            <a:ext cx="4711611" cy="369332"/>
-          </a:xfrm>
-          <a:prstGeom prst="rect">
-            <a:avLst/>
-          </a:prstGeom>
-          <a:noFill/>
-        </p:spPr>
-        <p:txBody>
-          <a:bodyPr wrap="none" rtlCol="0">
-            <a:spAutoFit/>
-          </a:bodyPr>
-          <a:lstStyle/>
-          <a:p>
-            <a:r>
-              <a:rPr lang="en-US" dirty="0"/>
-              <a:t>For linear regression: change the object into int</a:t>
-            </a:r>
-          </a:p>
-        </p:txBody>
-      </p:sp>
       <p:sp>
         <p:nvSpPr>
           <p:cNvPr id="8" name="Rectangle 7">
@@ -5528,10 +6416,779 @@
           </a:p>
         </p:txBody>
       </p:sp>
+      <p:sp>
+        <p:nvSpPr>
+          <p:cNvPr id="10" name="Content Placeholder 2">
+            <a:extLst>
+              <a:ext uri="{FF2B5EF4-FFF2-40B4-BE49-F238E27FC236}">
+                <a16:creationId xmlns:a16="http://schemas.microsoft.com/office/drawing/2014/main" id="{DE8EBD93-619E-B34E-B8A5-7854F0CB2D4F}"/>
+              </a:ext>
+            </a:extLst>
+          </p:cNvPr>
+          <p:cNvSpPr txBox="1">
+            <a:spLocks/>
+          </p:cNvSpPr>
+          <p:nvPr/>
+        </p:nvSpPr>
+        <p:spPr>
+          <a:xfrm>
+            <a:off x="0" y="4657889"/>
+            <a:ext cx="6824869" cy="1968198"/>
+          </a:xfrm>
+          <a:prstGeom prst="rect">
+            <a:avLst/>
+          </a:prstGeom>
+        </p:spPr>
+        <p:txBody>
+          <a:bodyPr vert="horz" lIns="91440" tIns="45720" rIns="91440" bIns="45720" rtlCol="0">
+            <a:normAutofit/>
+          </a:bodyPr>
+          <a:lstStyle>
+            <a:lvl1pPr marL="228600" indent="-228600" algn="l" defTabSz="914400" rtl="0" eaLnBrk="1" latinLnBrk="0" hangingPunct="1">
+              <a:lnSpc>
+                <a:spcPct val="90000"/>
+              </a:lnSpc>
+              <a:spcBef>
+                <a:spcPts val="1000"/>
+              </a:spcBef>
+              <a:buFont typeface="Arial" panose="020B0604020202020204" pitchFamily="34" charset="0"/>
+              <a:buChar char="•"/>
+              <a:defRPr sz="2800" kern="1200">
+                <a:solidFill>
+                  <a:schemeClr val="tx1"/>
+                </a:solidFill>
+                <a:latin typeface="+mn-lt"/>
+                <a:ea typeface="+mn-ea"/>
+                <a:cs typeface="+mn-cs"/>
+              </a:defRPr>
+            </a:lvl1pPr>
+            <a:lvl2pPr marL="685800" indent="-228600" algn="l" defTabSz="914400" rtl="0" eaLnBrk="1" latinLnBrk="0" hangingPunct="1">
+              <a:lnSpc>
+                <a:spcPct val="90000"/>
+              </a:lnSpc>
+              <a:spcBef>
+                <a:spcPts val="500"/>
+              </a:spcBef>
+              <a:buFont typeface="Arial" panose="020B0604020202020204" pitchFamily="34" charset="0"/>
+              <a:buChar char="•"/>
+              <a:defRPr sz="2400" kern="1200">
+                <a:solidFill>
+                  <a:schemeClr val="tx1"/>
+                </a:solidFill>
+                <a:latin typeface="+mn-lt"/>
+                <a:ea typeface="+mn-ea"/>
+                <a:cs typeface="+mn-cs"/>
+              </a:defRPr>
+            </a:lvl2pPr>
+            <a:lvl3pPr marL="1143000" indent="-228600" algn="l" defTabSz="914400" rtl="0" eaLnBrk="1" latinLnBrk="0" hangingPunct="1">
+              <a:lnSpc>
+                <a:spcPct val="90000"/>
+              </a:lnSpc>
+              <a:spcBef>
+                <a:spcPts val="500"/>
+              </a:spcBef>
+              <a:buFont typeface="Arial" panose="020B0604020202020204" pitchFamily="34" charset="0"/>
+              <a:buChar char="•"/>
+              <a:defRPr sz="2000" kern="1200">
+                <a:solidFill>
+                  <a:schemeClr val="tx1"/>
+                </a:solidFill>
+                <a:latin typeface="+mn-lt"/>
+                <a:ea typeface="+mn-ea"/>
+                <a:cs typeface="+mn-cs"/>
+              </a:defRPr>
+            </a:lvl3pPr>
+            <a:lvl4pPr marL="1600200" indent="-228600" algn="l" defTabSz="914400" rtl="0" eaLnBrk="1" latinLnBrk="0" hangingPunct="1">
+              <a:lnSpc>
+                <a:spcPct val="90000"/>
+              </a:lnSpc>
+              <a:spcBef>
+                <a:spcPts val="500"/>
+              </a:spcBef>
+              <a:buFont typeface="Arial" panose="020B0604020202020204" pitchFamily="34" charset="0"/>
+              <a:buChar char="•"/>
+              <a:defRPr sz="1800" kern="1200">
+                <a:solidFill>
+                  <a:schemeClr val="tx1"/>
+                </a:solidFill>
+                <a:latin typeface="+mn-lt"/>
+                <a:ea typeface="+mn-ea"/>
+                <a:cs typeface="+mn-cs"/>
+              </a:defRPr>
+            </a:lvl4pPr>
+            <a:lvl5pPr marL="2057400" indent="-228600" algn="l" defTabSz="914400" rtl="0" eaLnBrk="1" latinLnBrk="0" hangingPunct="1">
+              <a:lnSpc>
+                <a:spcPct val="90000"/>
+              </a:lnSpc>
+              <a:spcBef>
+                <a:spcPts val="500"/>
+              </a:spcBef>
+              <a:buFont typeface="Arial" panose="020B0604020202020204" pitchFamily="34" charset="0"/>
+              <a:buChar char="•"/>
+              <a:defRPr sz="1800" kern="1200">
+                <a:solidFill>
+                  <a:schemeClr val="tx1"/>
+                </a:solidFill>
+                <a:latin typeface="+mn-lt"/>
+                <a:ea typeface="+mn-ea"/>
+                <a:cs typeface="+mn-cs"/>
+              </a:defRPr>
+            </a:lvl5pPr>
+            <a:lvl6pPr marL="2514600" indent="-228600" algn="l" defTabSz="914400" rtl="0" eaLnBrk="1" latinLnBrk="0" hangingPunct="1">
+              <a:lnSpc>
+                <a:spcPct val="90000"/>
+              </a:lnSpc>
+              <a:spcBef>
+                <a:spcPts val="500"/>
+              </a:spcBef>
+              <a:buFont typeface="Arial" panose="020B0604020202020204" pitchFamily="34" charset="0"/>
+              <a:buChar char="•"/>
+              <a:defRPr sz="1800" kern="1200">
+                <a:solidFill>
+                  <a:schemeClr val="tx1"/>
+                </a:solidFill>
+                <a:latin typeface="+mn-lt"/>
+                <a:ea typeface="+mn-ea"/>
+                <a:cs typeface="+mn-cs"/>
+              </a:defRPr>
+            </a:lvl6pPr>
+            <a:lvl7pPr marL="2971800" indent="-228600" algn="l" defTabSz="914400" rtl="0" eaLnBrk="1" latinLnBrk="0" hangingPunct="1">
+              <a:lnSpc>
+                <a:spcPct val="90000"/>
+              </a:lnSpc>
+              <a:spcBef>
+                <a:spcPts val="500"/>
+              </a:spcBef>
+              <a:buFont typeface="Arial" panose="020B0604020202020204" pitchFamily="34" charset="0"/>
+              <a:buChar char="•"/>
+              <a:defRPr sz="1800" kern="1200">
+                <a:solidFill>
+                  <a:schemeClr val="tx1"/>
+                </a:solidFill>
+                <a:latin typeface="+mn-lt"/>
+                <a:ea typeface="+mn-ea"/>
+                <a:cs typeface="+mn-cs"/>
+              </a:defRPr>
+            </a:lvl7pPr>
+            <a:lvl8pPr marL="3429000" indent="-228600" algn="l" defTabSz="914400" rtl="0" eaLnBrk="1" latinLnBrk="0" hangingPunct="1">
+              <a:lnSpc>
+                <a:spcPct val="90000"/>
+              </a:lnSpc>
+              <a:spcBef>
+                <a:spcPts val="500"/>
+              </a:spcBef>
+              <a:buFont typeface="Arial" panose="020B0604020202020204" pitchFamily="34" charset="0"/>
+              <a:buChar char="•"/>
+              <a:defRPr sz="1800" kern="1200">
+                <a:solidFill>
+                  <a:schemeClr val="tx1"/>
+                </a:solidFill>
+                <a:latin typeface="+mn-lt"/>
+                <a:ea typeface="+mn-ea"/>
+                <a:cs typeface="+mn-cs"/>
+              </a:defRPr>
+            </a:lvl8pPr>
+            <a:lvl9pPr marL="3886200" indent="-228600" algn="l" defTabSz="914400" rtl="0" eaLnBrk="1" latinLnBrk="0" hangingPunct="1">
+              <a:lnSpc>
+                <a:spcPct val="90000"/>
+              </a:lnSpc>
+              <a:spcBef>
+                <a:spcPts val="500"/>
+              </a:spcBef>
+              <a:buFont typeface="Arial" panose="020B0604020202020204" pitchFamily="34" charset="0"/>
+              <a:buChar char="•"/>
+              <a:defRPr sz="1800" kern="1200">
+                <a:solidFill>
+                  <a:schemeClr val="tx1"/>
+                </a:solidFill>
+                <a:latin typeface="+mn-lt"/>
+                <a:ea typeface="+mn-ea"/>
+                <a:cs typeface="+mn-cs"/>
+              </a:defRPr>
+            </a:lvl9pPr>
+          </a:lstStyle>
+          <a:p>
+            <a:pPr lvl="1">
+              <a:buFont typeface="Wingdings" panose="05000000000000000000" pitchFamily="2" charset="2"/>
+              <a:buChar char="Ø"/>
+            </a:pPr>
+            <a:r>
+              <a:rPr lang="en-US" sz="2000" dirty="0"/>
+              <a:t>For linear regression, all the variables should be int/float</a:t>
+            </a:r>
+          </a:p>
+          <a:p>
+            <a:pPr lvl="1">
+              <a:buFont typeface="Wingdings" panose="05000000000000000000" pitchFamily="2" charset="2"/>
+              <a:buChar char="Ø"/>
+            </a:pPr>
+            <a:r>
+              <a:rPr lang="en-US" sz="2000" dirty="0"/>
+              <a:t>‘treatment company’ and ‘operator’ are string</a:t>
+            </a:r>
+          </a:p>
+          <a:p>
+            <a:pPr lvl="1">
+              <a:buFont typeface="Wingdings" panose="05000000000000000000" pitchFamily="2" charset="2"/>
+              <a:buChar char="Ø"/>
+            </a:pPr>
+            <a:r>
+              <a:rPr lang="en-US" sz="2000" dirty="0"/>
+              <a:t>‘date on production’ is time</a:t>
+            </a:r>
+          </a:p>
+          <a:p>
+            <a:pPr lvl="1">
+              <a:buFont typeface="Wingdings" panose="05000000000000000000" pitchFamily="2" charset="2"/>
+              <a:buChar char="Ø"/>
+            </a:pPr>
+            <a:r>
+              <a:rPr lang="en-US" sz="2000" dirty="0"/>
+              <a:t>therefor, we need to covert the above three into int/float</a:t>
+            </a:r>
+          </a:p>
+        </p:txBody>
+      </p:sp>
     </p:spTree>
     <p:extLst>
       <p:ext uri="{BB962C8B-B14F-4D97-AF65-F5344CB8AC3E}">
         <p14:creationId xmlns:p14="http://schemas.microsoft.com/office/powerpoint/2010/main" val="3134472463"/>
+      </p:ext>
+    </p:extLst>
+  </p:cSld>
+  <p:clrMapOvr>
+    <a:masterClrMapping/>
+  </p:clrMapOvr>
+</p:sld>
+</file>
+
+<file path=ppt/slides/slide5.xml><?xml version="1.0" encoding="utf-8"?>
+<p:sld xmlns:a="http://schemas.openxmlformats.org/drawingml/2006/main" xmlns:r="http://schemas.openxmlformats.org/officeDocument/2006/relationships" xmlns:p="http://schemas.openxmlformats.org/presentationml/2006/main">
+  <p:cSld>
+    <p:spTree>
+      <p:nvGrpSpPr>
+        <p:cNvPr id="1" name=""/>
+        <p:cNvGrpSpPr/>
+        <p:nvPr/>
+      </p:nvGrpSpPr>
+      <p:grpSpPr>
+        <a:xfrm>
+          <a:off x="0" y="0"/>
+          <a:ext cx="0" cy="0"/>
+          <a:chOff x="0" y="0"/>
+          <a:chExt cx="0" cy="0"/>
+        </a:xfrm>
+      </p:grpSpPr>
+      <p:sp>
+        <p:nvSpPr>
+          <p:cNvPr id="2" name="Title 1">
+            <a:extLst>
+              <a:ext uri="{FF2B5EF4-FFF2-40B4-BE49-F238E27FC236}">
+                <a16:creationId xmlns:a16="http://schemas.microsoft.com/office/drawing/2014/main" id="{EA68D6D1-5DC0-4F09-97F3-43CF6F1B7FAB}"/>
+              </a:ext>
+            </a:extLst>
+          </p:cNvPr>
+          <p:cNvSpPr txBox="1">
+            <a:spLocks/>
+          </p:cNvSpPr>
+          <p:nvPr/>
+        </p:nvSpPr>
+        <p:spPr>
+          <a:xfrm>
+            <a:off x="838200" y="365125"/>
+            <a:ext cx="8623852" cy="1325563"/>
+          </a:xfrm>
+          <a:prstGeom prst="rect">
+            <a:avLst/>
+          </a:prstGeom>
+        </p:spPr>
+        <p:txBody>
+          <a:bodyPr>
+            <a:normAutofit/>
+          </a:bodyPr>
+          <a:lstStyle>
+            <a:lvl1pPr algn="l" defTabSz="914400" rtl="0" eaLnBrk="1" latinLnBrk="0" hangingPunct="1">
+              <a:lnSpc>
+                <a:spcPct val="90000"/>
+              </a:lnSpc>
+              <a:spcBef>
+                <a:spcPct val="0"/>
+              </a:spcBef>
+              <a:buNone/>
+              <a:defRPr sz="4400" kern="1200">
+                <a:solidFill>
+                  <a:schemeClr val="tx1"/>
+                </a:solidFill>
+                <a:latin typeface="+mj-lt"/>
+                <a:ea typeface="+mj-ea"/>
+                <a:cs typeface="+mj-cs"/>
+              </a:defRPr>
+            </a:lvl1pPr>
+          </a:lstStyle>
+          <a:p>
+            <a:r>
+              <a:rPr lang="en-US" sz="3200" b="1" dirty="0"/>
+              <a:t>Part 2. </a:t>
+            </a:r>
+            <a:r>
+              <a:rPr lang="en-US" sz="3200" b="1" dirty="0">
+                <a:solidFill>
+                  <a:schemeClr val="tx1"/>
+                </a:solidFill>
+              </a:rPr>
+              <a:t>changing data type</a:t>
+            </a:r>
+          </a:p>
+          <a:p>
+            <a:endParaRPr lang="en-US" sz="3200" dirty="0"/>
+          </a:p>
+        </p:txBody>
+      </p:sp>
+      <p:pic>
+        <p:nvPicPr>
+          <p:cNvPr id="11" name="Picture 10" descr="Graphical user interface, text, application&#10;&#10;Description automatically generated">
+            <a:extLst>
+              <a:ext uri="{FF2B5EF4-FFF2-40B4-BE49-F238E27FC236}">
+                <a16:creationId xmlns:a16="http://schemas.microsoft.com/office/drawing/2014/main" id="{C4B2B29D-4F62-B745-8F70-383914C47BF4}"/>
+              </a:ext>
+            </a:extLst>
+          </p:cNvPr>
+          <p:cNvPicPr>
+            <a:picLocks noChangeAspect="1"/>
+          </p:cNvPicPr>
+          <p:nvPr/>
+        </p:nvPicPr>
+        <p:blipFill>
+          <a:blip r:embed="rId2">
+            <a:extLst>
+              <a:ext uri="{28A0092B-C50C-407E-A947-70E740481C1C}">
+                <a14:useLocalDpi xmlns:a14="http://schemas.microsoft.com/office/drawing/2010/main" val="0"/>
+              </a:ext>
+            </a:extLst>
+          </a:blip>
+          <a:stretch>
+            <a:fillRect/>
+          </a:stretch>
+        </p:blipFill>
+        <p:spPr>
+          <a:xfrm>
+            <a:off x="5091464" y="885182"/>
+            <a:ext cx="6824869" cy="3772712"/>
+          </a:xfrm>
+          <a:prstGeom prst="rect">
+            <a:avLst/>
+          </a:prstGeom>
+        </p:spPr>
+      </p:pic>
+      <p:pic>
+        <p:nvPicPr>
+          <p:cNvPr id="13" name="Picture 12" descr="Graphical user interface, text, application&#10;&#10;Description automatically generated">
+            <a:extLst>
+              <a:ext uri="{FF2B5EF4-FFF2-40B4-BE49-F238E27FC236}">
+                <a16:creationId xmlns:a16="http://schemas.microsoft.com/office/drawing/2014/main" id="{ECD24E7D-EEF5-6F4E-A6CA-C6695BC8FEBD}"/>
+              </a:ext>
+            </a:extLst>
+          </p:cNvPr>
+          <p:cNvPicPr>
+            <a:picLocks noChangeAspect="1"/>
+          </p:cNvPicPr>
+          <p:nvPr/>
+        </p:nvPicPr>
+        <p:blipFill>
+          <a:blip r:embed="rId3">
+            <a:extLst>
+              <a:ext uri="{28A0092B-C50C-407E-A947-70E740481C1C}">
+                <a14:useLocalDpi xmlns:a14="http://schemas.microsoft.com/office/drawing/2010/main" val="0"/>
+              </a:ext>
+            </a:extLst>
+          </a:blip>
+          <a:stretch>
+            <a:fillRect/>
+          </a:stretch>
+        </p:blipFill>
+        <p:spPr>
+          <a:xfrm>
+            <a:off x="5091464" y="4772239"/>
+            <a:ext cx="6818908" cy="1828800"/>
+          </a:xfrm>
+          <a:prstGeom prst="rect">
+            <a:avLst/>
+          </a:prstGeom>
+        </p:spPr>
+      </p:pic>
+      <p:sp>
+        <p:nvSpPr>
+          <p:cNvPr id="14" name="Rectangle 13">
+            <a:extLst>
+              <a:ext uri="{FF2B5EF4-FFF2-40B4-BE49-F238E27FC236}">
+                <a16:creationId xmlns:a16="http://schemas.microsoft.com/office/drawing/2014/main" id="{87C24577-0A2F-F445-B5D0-F646C3A5A756}"/>
+              </a:ext>
+            </a:extLst>
+          </p:cNvPr>
+          <p:cNvSpPr/>
+          <p:nvPr/>
+        </p:nvSpPr>
+        <p:spPr>
+          <a:xfrm>
+            <a:off x="5110915" y="1485854"/>
+            <a:ext cx="6805418" cy="3172039"/>
+          </a:xfrm>
+          <a:prstGeom prst="rect">
+            <a:avLst/>
+          </a:prstGeom>
+          <a:noFill/>
+          <a:ln w="28575">
+            <a:solidFill>
+              <a:srgbClr val="FF0000"/>
+            </a:solidFill>
+          </a:ln>
+        </p:spPr>
+        <p:style>
+          <a:lnRef idx="2">
+            <a:schemeClr val="accent1">
+              <a:shade val="50000"/>
+            </a:schemeClr>
+          </a:lnRef>
+          <a:fillRef idx="1">
+            <a:schemeClr val="accent1"/>
+          </a:fillRef>
+          <a:effectRef idx="0">
+            <a:schemeClr val="accent1"/>
+          </a:effectRef>
+          <a:fontRef idx="minor">
+            <a:schemeClr val="lt1"/>
+          </a:fontRef>
+        </p:style>
+        <p:txBody>
+          <a:bodyPr rtlCol="0" anchor="ctr"/>
+          <a:lstStyle/>
+          <a:p>
+            <a:pPr algn="ctr"/>
+            <a:endParaRPr lang="en-US"/>
+          </a:p>
+        </p:txBody>
+      </p:sp>
+      <p:sp>
+        <p:nvSpPr>
+          <p:cNvPr id="16" name="Rectangle 15">
+            <a:extLst>
+              <a:ext uri="{FF2B5EF4-FFF2-40B4-BE49-F238E27FC236}">
+                <a16:creationId xmlns:a16="http://schemas.microsoft.com/office/drawing/2014/main" id="{D916818B-5A2E-4B42-9A2E-7B7E994BDA1C}"/>
+              </a:ext>
+            </a:extLst>
+          </p:cNvPr>
+          <p:cNvSpPr/>
+          <p:nvPr/>
+        </p:nvSpPr>
+        <p:spPr>
+          <a:xfrm>
+            <a:off x="5110915" y="4795288"/>
+            <a:ext cx="6824869" cy="1805751"/>
+          </a:xfrm>
+          <a:prstGeom prst="rect">
+            <a:avLst/>
+          </a:prstGeom>
+          <a:noFill/>
+          <a:ln w="28575">
+            <a:solidFill>
+              <a:srgbClr val="0070C0"/>
+            </a:solidFill>
+          </a:ln>
+        </p:spPr>
+        <p:style>
+          <a:lnRef idx="2">
+            <a:schemeClr val="accent1">
+              <a:shade val="50000"/>
+            </a:schemeClr>
+          </a:lnRef>
+          <a:fillRef idx="1">
+            <a:schemeClr val="accent1"/>
+          </a:fillRef>
+          <a:effectRef idx="0">
+            <a:schemeClr val="accent1"/>
+          </a:effectRef>
+          <a:fontRef idx="minor">
+            <a:schemeClr val="lt1"/>
+          </a:fontRef>
+        </p:style>
+        <p:txBody>
+          <a:bodyPr rtlCol="0" anchor="ctr"/>
+          <a:lstStyle/>
+          <a:p>
+            <a:pPr algn="ctr"/>
+            <a:endParaRPr lang="en-US"/>
+          </a:p>
+        </p:txBody>
+      </p:sp>
+      <p:sp>
+        <p:nvSpPr>
+          <p:cNvPr id="17" name="TextBox 16">
+            <a:extLst>
+              <a:ext uri="{FF2B5EF4-FFF2-40B4-BE49-F238E27FC236}">
+                <a16:creationId xmlns:a16="http://schemas.microsoft.com/office/drawing/2014/main" id="{32BE85CA-755E-F34C-AECD-9D921B9ED054}"/>
+              </a:ext>
+            </a:extLst>
+          </p:cNvPr>
+          <p:cNvSpPr txBox="1"/>
+          <p:nvPr/>
+        </p:nvSpPr>
+        <p:spPr>
+          <a:xfrm>
+            <a:off x="196884" y="1433806"/>
+            <a:ext cx="4953242" cy="2646878"/>
+          </a:xfrm>
+          <a:prstGeom prst="rect">
+            <a:avLst/>
+          </a:prstGeom>
+          <a:noFill/>
+        </p:spPr>
+        <p:txBody>
+          <a:bodyPr wrap="square" rtlCol="0">
+            <a:spAutoFit/>
+          </a:bodyPr>
+          <a:lstStyle/>
+          <a:p>
+            <a:r>
+              <a:rPr lang="en-US" dirty="0"/>
+              <a:t>Converting </a:t>
+            </a:r>
+            <a:r>
+              <a:rPr lang="en-US" dirty="0">
+                <a:solidFill>
+                  <a:srgbClr val="FF0000"/>
+                </a:solidFill>
+              </a:rPr>
+              <a:t>‘treatment company’ and ‘operator’ </a:t>
+            </a:r>
+            <a:r>
+              <a:rPr lang="en-US" dirty="0"/>
+              <a:t>into int:</a:t>
+            </a:r>
+          </a:p>
+          <a:p>
+            <a:endParaRPr lang="en-US" dirty="0"/>
+          </a:p>
+          <a:p>
+            <a:pPr marL="742950" lvl="1" indent="-285750">
+              <a:buFont typeface="Wingdings" pitchFamily="2" charset="2"/>
+              <a:buChar char="Ø"/>
+            </a:pPr>
+            <a:r>
+              <a:rPr lang="en-US" sz="1600" dirty="0"/>
+              <a:t>step 1: split the data into ‘name’ + ‘number’</a:t>
+            </a:r>
+          </a:p>
+          <a:p>
+            <a:pPr marL="742950" lvl="1" indent="-285750">
+              <a:buFont typeface="Wingdings" pitchFamily="2" charset="2"/>
+              <a:buChar char="Ø"/>
+            </a:pPr>
+            <a:r>
+              <a:rPr lang="en-US" sz="1600" dirty="0"/>
+              <a:t>step 2: convert the ‘number’ from string to ‘int’</a:t>
+            </a:r>
+          </a:p>
+          <a:p>
+            <a:pPr marL="742950" lvl="1" indent="-285750">
+              <a:buFont typeface="Wingdings" pitchFamily="2" charset="2"/>
+              <a:buChar char="Ø"/>
+            </a:pPr>
+            <a:r>
+              <a:rPr lang="en-US" sz="1600" dirty="0"/>
+              <a:t>step 3: drop the repeated ‘name’ (‘treatment’, ‘company’, ‘operator’)</a:t>
+            </a:r>
+          </a:p>
+          <a:p>
+            <a:pPr marL="742950" lvl="1" indent="-285750">
+              <a:buFont typeface="Wingdings" pitchFamily="2" charset="2"/>
+              <a:buChar char="Ø"/>
+            </a:pPr>
+            <a:endParaRPr lang="en-US" sz="1600" dirty="0"/>
+          </a:p>
+          <a:p>
+            <a:pPr marL="285750" indent="-285750">
+              <a:buFont typeface="Wingdings" pitchFamily="2" charset="2"/>
+              <a:buChar char="v"/>
+            </a:pPr>
+            <a:r>
+              <a:rPr lang="en-US" sz="1600" dirty="0"/>
+              <a:t>one can also use dummy number to rename the two attributes</a:t>
+            </a:r>
+          </a:p>
+        </p:txBody>
+      </p:sp>
+      <p:sp>
+        <p:nvSpPr>
+          <p:cNvPr id="18" name="Arrow: Right 16">
+            <a:extLst>
+              <a:ext uri="{FF2B5EF4-FFF2-40B4-BE49-F238E27FC236}">
+                <a16:creationId xmlns:a16="http://schemas.microsoft.com/office/drawing/2014/main" id="{339BD3C8-620F-1143-A6F9-F7A506F0AE50}"/>
+              </a:ext>
+            </a:extLst>
+          </p:cNvPr>
+          <p:cNvSpPr/>
+          <p:nvPr/>
+        </p:nvSpPr>
+        <p:spPr>
+          <a:xfrm>
+            <a:off x="808076" y="4028555"/>
+            <a:ext cx="3586051" cy="484632"/>
+          </a:xfrm>
+          <a:prstGeom prst="rightArrow">
+            <a:avLst/>
+          </a:prstGeom>
+          <a:solidFill>
+            <a:srgbClr val="FF0000"/>
+          </a:solidFill>
+          <a:ln>
+            <a:solidFill>
+              <a:srgbClr val="FF0000"/>
+            </a:solidFill>
+          </a:ln>
+        </p:spPr>
+        <p:style>
+          <a:lnRef idx="2">
+            <a:schemeClr val="accent1">
+              <a:shade val="50000"/>
+            </a:schemeClr>
+          </a:lnRef>
+          <a:fillRef idx="1">
+            <a:schemeClr val="accent1"/>
+          </a:fillRef>
+          <a:effectRef idx="0">
+            <a:schemeClr val="accent1"/>
+          </a:effectRef>
+          <a:fontRef idx="minor">
+            <a:schemeClr val="lt1"/>
+          </a:fontRef>
+        </p:style>
+        <p:txBody>
+          <a:bodyPr rtlCol="0" anchor="ctr"/>
+          <a:lstStyle/>
+          <a:p>
+            <a:pPr algn="ctr"/>
+            <a:endParaRPr lang="en-US"/>
+          </a:p>
+        </p:txBody>
+      </p:sp>
+      <p:sp>
+        <p:nvSpPr>
+          <p:cNvPr id="20" name="Arrow: Right 16">
+            <a:extLst>
+              <a:ext uri="{FF2B5EF4-FFF2-40B4-BE49-F238E27FC236}">
+                <a16:creationId xmlns:a16="http://schemas.microsoft.com/office/drawing/2014/main" id="{35965901-7F18-904C-A11E-0F63771220A8}"/>
+              </a:ext>
+            </a:extLst>
+          </p:cNvPr>
+          <p:cNvSpPr/>
+          <p:nvPr/>
+        </p:nvSpPr>
+        <p:spPr>
+          <a:xfrm>
+            <a:off x="723015" y="5933753"/>
+            <a:ext cx="3671112" cy="484632"/>
+          </a:xfrm>
+          <a:prstGeom prst="rightArrow">
+            <a:avLst/>
+          </a:prstGeom>
+        </p:spPr>
+        <p:style>
+          <a:lnRef idx="2">
+            <a:schemeClr val="accent1">
+              <a:shade val="50000"/>
+            </a:schemeClr>
+          </a:lnRef>
+          <a:fillRef idx="1">
+            <a:schemeClr val="accent1"/>
+          </a:fillRef>
+          <a:effectRef idx="0">
+            <a:schemeClr val="accent1"/>
+          </a:effectRef>
+          <a:fontRef idx="minor">
+            <a:schemeClr val="lt1"/>
+          </a:fontRef>
+        </p:style>
+        <p:txBody>
+          <a:bodyPr rtlCol="0" anchor="ctr"/>
+          <a:lstStyle/>
+          <a:p>
+            <a:pPr algn="ctr"/>
+            <a:endParaRPr lang="en-US"/>
+          </a:p>
+        </p:txBody>
+      </p:sp>
+      <p:sp>
+        <p:nvSpPr>
+          <p:cNvPr id="21" name="TextBox 20">
+            <a:extLst>
+              <a:ext uri="{FF2B5EF4-FFF2-40B4-BE49-F238E27FC236}">
+                <a16:creationId xmlns:a16="http://schemas.microsoft.com/office/drawing/2014/main" id="{AEC145AA-E182-6A45-AC99-479DAB5FAB2B}"/>
+              </a:ext>
+            </a:extLst>
+          </p:cNvPr>
+          <p:cNvSpPr txBox="1"/>
+          <p:nvPr/>
+        </p:nvSpPr>
+        <p:spPr>
+          <a:xfrm>
+            <a:off x="196884" y="4972504"/>
+            <a:ext cx="4953242" cy="892552"/>
+          </a:xfrm>
+          <a:prstGeom prst="rect">
+            <a:avLst/>
+          </a:prstGeom>
+          <a:noFill/>
+        </p:spPr>
+        <p:txBody>
+          <a:bodyPr wrap="square" rtlCol="0">
+            <a:spAutoFit/>
+          </a:bodyPr>
+          <a:lstStyle/>
+          <a:p>
+            <a:r>
+              <a:rPr lang="en-US" dirty="0"/>
+              <a:t>Converting</a:t>
+            </a:r>
+            <a:r>
+              <a:rPr lang="en-US" dirty="0">
+                <a:solidFill>
+                  <a:srgbClr val="0070C0"/>
+                </a:solidFill>
+              </a:rPr>
+              <a:t> ‘date on production’ </a:t>
+            </a:r>
+            <a:r>
+              <a:rPr lang="en-US" dirty="0"/>
+              <a:t>into int:</a:t>
+            </a:r>
+          </a:p>
+          <a:p>
+            <a:endParaRPr lang="en-US" dirty="0"/>
+          </a:p>
+          <a:p>
+            <a:pPr marL="742950" lvl="1" indent="-285750">
+              <a:buFont typeface="Wingdings" pitchFamily="2" charset="2"/>
+              <a:buChar char="Ø"/>
+            </a:pPr>
+            <a:r>
+              <a:rPr lang="en-US" sz="1600" dirty="0"/>
+              <a:t>step 1: converting date into  the </a:t>
+            </a:r>
+            <a:r>
+              <a:rPr lang="en-US" sz="1600" dirty="0" err="1"/>
+              <a:t>unix</a:t>
+            </a:r>
+            <a:r>
+              <a:rPr lang="en-US" sz="1600" dirty="0"/>
+              <a:t> time stamp </a:t>
+            </a:r>
+          </a:p>
+        </p:txBody>
+      </p:sp>
+    </p:spTree>
+    <p:extLst>
+      <p:ext uri="{BB962C8B-B14F-4D97-AF65-F5344CB8AC3E}">
+        <p14:creationId xmlns:p14="http://schemas.microsoft.com/office/powerpoint/2010/main" val="3602911326"/>
       </p:ext>
     </p:extLst>
   </p:cSld>
@@ -6968,6 +8625,77 @@
           </a:prstGeom>
         </p:spPr>
       </p:pic>
+      <p:sp>
+        <p:nvSpPr>
+          <p:cNvPr id="7" name="TextBox 6">
+            <a:extLst>
+              <a:ext uri="{FF2B5EF4-FFF2-40B4-BE49-F238E27FC236}">
+                <a16:creationId xmlns:a16="http://schemas.microsoft.com/office/drawing/2014/main" id="{CA963CD5-3185-5045-8214-80A23C0CEAC5}"/>
+              </a:ext>
+            </a:extLst>
+          </p:cNvPr>
+          <p:cNvSpPr txBox="1"/>
+          <p:nvPr/>
+        </p:nvSpPr>
+        <p:spPr>
+          <a:xfrm>
+            <a:off x="4524499" y="5751734"/>
+            <a:ext cx="3042041" cy="923330"/>
+          </a:xfrm>
+          <a:prstGeom prst="rect">
+            <a:avLst/>
+          </a:prstGeom>
+          <a:noFill/>
+        </p:spPr>
+        <p:txBody>
+          <a:bodyPr wrap="square" rtlCol="0">
+            <a:spAutoFit/>
+          </a:bodyPr>
+          <a:lstStyle/>
+          <a:p>
+            <a:pPr marL="285750" indent="-285750">
+              <a:buFont typeface="Wingdings" pitchFamily="2" charset="2"/>
+              <a:buChar char="Ø"/>
+            </a:pPr>
+            <a:r>
+              <a:rPr lang="en-US" dirty="0" err="1"/>
+              <a:t>mean_squared_error</a:t>
+            </a:r>
+            <a:r>
+              <a:rPr lang="en-US" dirty="0"/>
+              <a:t>: 0.5</a:t>
+            </a:r>
+          </a:p>
+          <a:p>
+            <a:pPr marL="285750" indent="-285750">
+              <a:buFont typeface="Wingdings" pitchFamily="2" charset="2"/>
+              <a:buChar char="Ø"/>
+            </a:pPr>
+            <a:r>
+              <a:rPr lang="en-US" dirty="0"/>
+              <a:t>Mean_absolute_error:0.5</a:t>
+            </a:r>
+          </a:p>
+          <a:p>
+            <a:pPr marL="285750" indent="-285750">
+              <a:buFont typeface="Wingdings" pitchFamily="2" charset="2"/>
+              <a:buChar char="Ø"/>
+            </a:pPr>
+            <a:r>
+              <a:rPr lang="en-US" dirty="0"/>
+              <a:t>R</a:t>
+            </a:r>
+            <a:r>
+              <a:rPr lang="en-US" baseline="30000" dirty="0"/>
+              <a:t>2</a:t>
+            </a:r>
+            <a:r>
+              <a:rPr lang="en-US" dirty="0"/>
+              <a:t>: 0.54</a:t>
+            </a:r>
+          </a:p>
+        </p:txBody>
+      </p:sp>
     </p:spTree>
     <p:extLst>
       <p:ext uri="{BB962C8B-B14F-4D97-AF65-F5344CB8AC3E}">
